--- a/docs/Exercicio - Algoritmos.pptx
+++ b/docs/Exercicio - Algoritmos.pptx
@@ -11,6 +11,7 @@
     <p:sldId id="259" r:id="rId5"/>
     <p:sldId id="260" r:id="rId6"/>
     <p:sldId id="261" r:id="rId7"/>
+    <p:sldId id="262" r:id="rId8"/>
   </p:sldIdLst>
   <p:sldSz cx="12192000" cy="6858000"/>
   <p:notesSz cx="6858000" cy="9144000"/>
@@ -4732,12 +4733,651 @@
               <a:buChar char="§"/>
             </a:pPr>
             <a:r>
-              <a:rPr lang="en-US" sz="1800">
-                <a:solidFill>
-                  <a:schemeClr val="tx1"/>
-                </a:solidFill>
-              </a:rPr>
-              <a:t>A busca em pré-ordem consiste em ao visitar cada nó, primeiro visitar o número nele contido e depois a sub-árvore da esquerda e por último a da direita, recursivamente. No caso de haver mais do que dois filhos, eles devem ser visitados da esquerda para a direita. </a:t>
+              <a:rPr lang="en-US" sz="1800" dirty="0">
+                <a:solidFill>
+                  <a:schemeClr val="tx1"/>
+                </a:solidFill>
+              </a:rPr>
+              <a:t>A </a:t>
+            </a:r>
+            <a:r>
+              <a:rPr lang="en-US" sz="1800" dirty="0" err="1">
+                <a:solidFill>
+                  <a:schemeClr val="tx1"/>
+                </a:solidFill>
+              </a:rPr>
+              <a:t>busca</a:t>
+            </a:r>
+            <a:r>
+              <a:rPr lang="en-US" sz="1800" dirty="0">
+                <a:solidFill>
+                  <a:schemeClr val="tx1"/>
+                </a:solidFill>
+              </a:rPr>
+              <a:t> </a:t>
+            </a:r>
+            <a:r>
+              <a:rPr lang="en-US" sz="1800" dirty="0" err="1">
+                <a:solidFill>
+                  <a:schemeClr val="tx1"/>
+                </a:solidFill>
+              </a:rPr>
+              <a:t>em</a:t>
+            </a:r>
+            <a:r>
+              <a:rPr lang="en-US" sz="1800" dirty="0">
+                <a:solidFill>
+                  <a:schemeClr val="tx1"/>
+                </a:solidFill>
+              </a:rPr>
+              <a:t> </a:t>
+            </a:r>
+            <a:r>
+              <a:rPr lang="en-US" sz="1800" dirty="0" err="1">
+                <a:solidFill>
+                  <a:schemeClr val="tx1"/>
+                </a:solidFill>
+              </a:rPr>
+              <a:t>pré-ordem</a:t>
+            </a:r>
+            <a:r>
+              <a:rPr lang="en-US" sz="1800" dirty="0">
+                <a:solidFill>
+                  <a:schemeClr val="tx1"/>
+                </a:solidFill>
+              </a:rPr>
+              <a:t> </a:t>
+            </a:r>
+            <a:r>
+              <a:rPr lang="en-US" sz="1800" dirty="0" err="1">
+                <a:solidFill>
+                  <a:schemeClr val="tx1"/>
+                </a:solidFill>
+              </a:rPr>
+              <a:t>consiste</a:t>
+            </a:r>
+            <a:r>
+              <a:rPr lang="en-US" sz="1800" dirty="0">
+                <a:solidFill>
+                  <a:schemeClr val="tx1"/>
+                </a:solidFill>
+              </a:rPr>
+              <a:t> </a:t>
+            </a:r>
+            <a:r>
+              <a:rPr lang="en-US" sz="1800" dirty="0" err="1">
+                <a:solidFill>
+                  <a:schemeClr val="tx1"/>
+                </a:solidFill>
+              </a:rPr>
+              <a:t>em</a:t>
+            </a:r>
+            <a:r>
+              <a:rPr lang="en-US" sz="1800" dirty="0">
+                <a:solidFill>
+                  <a:schemeClr val="tx1"/>
+                </a:solidFill>
+              </a:rPr>
+              <a:t> </a:t>
+            </a:r>
+            <a:r>
+              <a:rPr lang="en-US" sz="1800" dirty="0" err="1">
+                <a:solidFill>
+                  <a:schemeClr val="tx1"/>
+                </a:solidFill>
+              </a:rPr>
+              <a:t>ao</a:t>
+            </a:r>
+            <a:r>
+              <a:rPr lang="en-US" sz="1800" dirty="0">
+                <a:solidFill>
+                  <a:schemeClr val="tx1"/>
+                </a:solidFill>
+              </a:rPr>
+              <a:t> </a:t>
+            </a:r>
+            <a:r>
+              <a:rPr lang="en-US" sz="1800" dirty="0" err="1">
+                <a:solidFill>
+                  <a:schemeClr val="tx1"/>
+                </a:solidFill>
+              </a:rPr>
+              <a:t>visitar</a:t>
+            </a:r>
+            <a:r>
+              <a:rPr lang="en-US" sz="1800" dirty="0">
+                <a:solidFill>
+                  <a:schemeClr val="tx1"/>
+                </a:solidFill>
+              </a:rPr>
+              <a:t> </a:t>
+            </a:r>
+            <a:r>
+              <a:rPr lang="en-US" sz="1800" dirty="0" err="1">
+                <a:solidFill>
+                  <a:schemeClr val="tx1"/>
+                </a:solidFill>
+              </a:rPr>
+              <a:t>cada</a:t>
+            </a:r>
+            <a:r>
+              <a:rPr lang="en-US" sz="1800" dirty="0">
+                <a:solidFill>
+                  <a:schemeClr val="tx1"/>
+                </a:solidFill>
+              </a:rPr>
+              <a:t> </a:t>
+            </a:r>
+            <a:r>
+              <a:rPr lang="en-US" sz="1800" dirty="0" err="1">
+                <a:solidFill>
+                  <a:schemeClr val="tx1"/>
+                </a:solidFill>
+              </a:rPr>
+              <a:t>nó</a:t>
+            </a:r>
+            <a:r>
+              <a:rPr lang="en-US" sz="1800" dirty="0">
+                <a:solidFill>
+                  <a:schemeClr val="tx1"/>
+                </a:solidFill>
+              </a:rPr>
+              <a:t>, </a:t>
+            </a:r>
+            <a:r>
+              <a:rPr lang="en-US" sz="1800" dirty="0" err="1">
+                <a:solidFill>
+                  <a:schemeClr val="tx1"/>
+                </a:solidFill>
+              </a:rPr>
+              <a:t>primeiro</a:t>
+            </a:r>
+            <a:r>
+              <a:rPr lang="en-US" sz="1800" dirty="0">
+                <a:solidFill>
+                  <a:schemeClr val="tx1"/>
+                </a:solidFill>
+              </a:rPr>
+              <a:t> </a:t>
+            </a:r>
+            <a:r>
+              <a:rPr lang="en-US" sz="1800" dirty="0" err="1">
+                <a:solidFill>
+                  <a:schemeClr val="tx1"/>
+                </a:solidFill>
+              </a:rPr>
+              <a:t>visitar</a:t>
+            </a:r>
+            <a:r>
+              <a:rPr lang="en-US" sz="1800" dirty="0">
+                <a:solidFill>
+                  <a:schemeClr val="tx1"/>
+                </a:solidFill>
+              </a:rPr>
+              <a:t> o </a:t>
+            </a:r>
+            <a:r>
+              <a:rPr lang="en-US" sz="1800" dirty="0" err="1">
+                <a:solidFill>
+                  <a:schemeClr val="tx1"/>
+                </a:solidFill>
+              </a:rPr>
+              <a:t>número</a:t>
+            </a:r>
+            <a:r>
+              <a:rPr lang="en-US" sz="1800" dirty="0">
+                <a:solidFill>
+                  <a:schemeClr val="tx1"/>
+                </a:solidFill>
+              </a:rPr>
+              <a:t> </a:t>
+            </a:r>
+            <a:r>
+              <a:rPr lang="en-US" sz="1800" dirty="0" err="1">
+                <a:solidFill>
+                  <a:schemeClr val="tx1"/>
+                </a:solidFill>
+              </a:rPr>
+              <a:t>nele</a:t>
+            </a:r>
+            <a:r>
+              <a:rPr lang="en-US" sz="1800" dirty="0">
+                <a:solidFill>
+                  <a:schemeClr val="tx1"/>
+                </a:solidFill>
+              </a:rPr>
+              <a:t> </a:t>
+            </a:r>
+            <a:r>
+              <a:rPr lang="en-US" sz="1800" dirty="0" err="1">
+                <a:solidFill>
+                  <a:schemeClr val="tx1"/>
+                </a:solidFill>
+              </a:rPr>
+              <a:t>contido</a:t>
+            </a:r>
+            <a:r>
+              <a:rPr lang="en-US" sz="1800" dirty="0">
+                <a:solidFill>
+                  <a:schemeClr val="tx1"/>
+                </a:solidFill>
+              </a:rPr>
+              <a:t> e </a:t>
+            </a:r>
+            <a:r>
+              <a:rPr lang="en-US" sz="1800" dirty="0" err="1">
+                <a:solidFill>
+                  <a:schemeClr val="tx1"/>
+                </a:solidFill>
+              </a:rPr>
+              <a:t>depois</a:t>
+            </a:r>
+            <a:r>
+              <a:rPr lang="en-US" sz="1800" dirty="0">
+                <a:solidFill>
+                  <a:schemeClr val="tx1"/>
+                </a:solidFill>
+              </a:rPr>
+              <a:t> a sub-</a:t>
+            </a:r>
+            <a:r>
+              <a:rPr lang="en-US" sz="1800" dirty="0" err="1">
+                <a:solidFill>
+                  <a:schemeClr val="tx1"/>
+                </a:solidFill>
+              </a:rPr>
+              <a:t>árvore</a:t>
+            </a:r>
+            <a:r>
+              <a:rPr lang="en-US" sz="1800" dirty="0">
+                <a:solidFill>
+                  <a:schemeClr val="tx1"/>
+                </a:solidFill>
+              </a:rPr>
+              <a:t> da </a:t>
+            </a:r>
+            <a:r>
+              <a:rPr lang="en-US" sz="1800" dirty="0" err="1">
+                <a:solidFill>
+                  <a:schemeClr val="tx1"/>
+                </a:solidFill>
+              </a:rPr>
+              <a:t>esquerda</a:t>
+            </a:r>
+            <a:r>
+              <a:rPr lang="en-US" sz="1800" dirty="0">
+                <a:solidFill>
+                  <a:schemeClr val="tx1"/>
+                </a:solidFill>
+              </a:rPr>
+              <a:t> e por </a:t>
+            </a:r>
+            <a:r>
+              <a:rPr lang="en-US" sz="1800" dirty="0" err="1">
+                <a:solidFill>
+                  <a:schemeClr val="tx1"/>
+                </a:solidFill>
+              </a:rPr>
+              <a:t>último</a:t>
+            </a:r>
+            <a:r>
+              <a:rPr lang="en-US" sz="1800" dirty="0">
+                <a:solidFill>
+                  <a:schemeClr val="tx1"/>
+                </a:solidFill>
+              </a:rPr>
+              <a:t> a da </a:t>
+            </a:r>
+            <a:r>
+              <a:rPr lang="en-US" sz="1800" dirty="0" err="1">
+                <a:solidFill>
+                  <a:schemeClr val="tx1"/>
+                </a:solidFill>
+              </a:rPr>
+              <a:t>direita</a:t>
+            </a:r>
+            <a:r>
+              <a:rPr lang="en-US" sz="1800" dirty="0">
+                <a:solidFill>
+                  <a:schemeClr val="tx1"/>
+                </a:solidFill>
+              </a:rPr>
+              <a:t>, </a:t>
+            </a:r>
+            <a:r>
+              <a:rPr lang="en-US" sz="1800" dirty="0" err="1">
+                <a:solidFill>
+                  <a:schemeClr val="tx1"/>
+                </a:solidFill>
+              </a:rPr>
+              <a:t>recursivamente</a:t>
+            </a:r>
+            <a:r>
+              <a:rPr lang="en-US" sz="1800" dirty="0">
+                <a:solidFill>
+                  <a:schemeClr val="tx1"/>
+                </a:solidFill>
+              </a:rPr>
+              <a:t>. No </a:t>
+            </a:r>
+            <a:r>
+              <a:rPr lang="en-US" sz="1800" dirty="0" err="1">
+                <a:solidFill>
+                  <a:schemeClr val="tx1"/>
+                </a:solidFill>
+              </a:rPr>
+              <a:t>caso</a:t>
+            </a:r>
+            <a:r>
+              <a:rPr lang="en-US" sz="1800" dirty="0">
+                <a:solidFill>
+                  <a:schemeClr val="tx1"/>
+                </a:solidFill>
+              </a:rPr>
+              <a:t> de haver </a:t>
+            </a:r>
+            <a:r>
+              <a:rPr lang="en-US" sz="1800" dirty="0" err="1">
+                <a:solidFill>
+                  <a:schemeClr val="tx1"/>
+                </a:solidFill>
+              </a:rPr>
+              <a:t>mais</a:t>
+            </a:r>
+            <a:r>
+              <a:rPr lang="en-US" sz="1800" dirty="0">
+                <a:solidFill>
+                  <a:schemeClr val="tx1"/>
+                </a:solidFill>
+              </a:rPr>
+              <a:t> do que </a:t>
+            </a:r>
+            <a:r>
+              <a:rPr lang="en-US" sz="1800" dirty="0" err="1">
+                <a:solidFill>
+                  <a:schemeClr val="tx1"/>
+                </a:solidFill>
+              </a:rPr>
+              <a:t>dois</a:t>
+            </a:r>
+            <a:r>
+              <a:rPr lang="en-US" sz="1800" dirty="0">
+                <a:solidFill>
+                  <a:schemeClr val="tx1"/>
+                </a:solidFill>
+              </a:rPr>
+              <a:t> </a:t>
+            </a:r>
+            <a:r>
+              <a:rPr lang="en-US" sz="1800" dirty="0" err="1">
+                <a:solidFill>
+                  <a:schemeClr val="tx1"/>
+                </a:solidFill>
+              </a:rPr>
+              <a:t>filhos</a:t>
+            </a:r>
+            <a:r>
+              <a:rPr lang="en-US" sz="1800" dirty="0">
+                <a:solidFill>
+                  <a:schemeClr val="tx1"/>
+                </a:solidFill>
+              </a:rPr>
+              <a:t>, </a:t>
+            </a:r>
+            <a:r>
+              <a:rPr lang="en-US" sz="1800" dirty="0" err="1">
+                <a:solidFill>
+                  <a:schemeClr val="tx1"/>
+                </a:solidFill>
+              </a:rPr>
+              <a:t>eles</a:t>
+            </a:r>
+            <a:r>
+              <a:rPr lang="en-US" sz="1800" dirty="0">
+                <a:solidFill>
+                  <a:schemeClr val="tx1"/>
+                </a:solidFill>
+              </a:rPr>
+              <a:t> </a:t>
+            </a:r>
+            <a:r>
+              <a:rPr lang="en-US" sz="1800" dirty="0" err="1">
+                <a:solidFill>
+                  <a:schemeClr val="tx1"/>
+                </a:solidFill>
+              </a:rPr>
+              <a:t>devem</a:t>
+            </a:r>
+            <a:r>
+              <a:rPr lang="en-US" sz="1800" dirty="0">
+                <a:solidFill>
+                  <a:schemeClr val="tx1"/>
+                </a:solidFill>
+              </a:rPr>
+              <a:t> ser </a:t>
+            </a:r>
+            <a:r>
+              <a:rPr lang="en-US" sz="1800" dirty="0" err="1">
+                <a:solidFill>
+                  <a:schemeClr val="tx1"/>
+                </a:solidFill>
+              </a:rPr>
+              <a:t>visitados</a:t>
+            </a:r>
+            <a:r>
+              <a:rPr lang="en-US" sz="1800" dirty="0">
+                <a:solidFill>
+                  <a:schemeClr val="tx1"/>
+                </a:solidFill>
+              </a:rPr>
+              <a:t> da </a:t>
+            </a:r>
+            <a:r>
+              <a:rPr lang="en-US" sz="1800" dirty="0" err="1">
+                <a:solidFill>
+                  <a:schemeClr val="tx1"/>
+                </a:solidFill>
+              </a:rPr>
+              <a:t>esquerda</a:t>
+            </a:r>
+            <a:r>
+              <a:rPr lang="en-US" sz="1800" dirty="0">
+                <a:solidFill>
+                  <a:schemeClr val="tx1"/>
+                </a:solidFill>
+              </a:rPr>
+              <a:t> para a </a:t>
+            </a:r>
+            <a:r>
+              <a:rPr lang="en-US" sz="1800" dirty="0" err="1">
+                <a:solidFill>
+                  <a:schemeClr val="tx1"/>
+                </a:solidFill>
+              </a:rPr>
+              <a:t>direita</a:t>
+            </a:r>
+            <a:r>
+              <a:rPr lang="en-US" sz="1800" dirty="0">
+                <a:solidFill>
+                  <a:schemeClr val="tx1"/>
+                </a:solidFill>
+              </a:rPr>
+              <a:t>. </a:t>
+            </a:r>
+          </a:p>
+          <a:p>
+            <a:pPr indent="-182880">
+              <a:lnSpc>
+                <a:spcPct val="90000"/>
+              </a:lnSpc>
+              <a:buFont typeface="Wingdings" pitchFamily="2" charset="2"/>
+              <a:buChar char="§"/>
+            </a:pPr>
+            <a:endParaRPr lang="en-US" sz="1800" dirty="0">
+              <a:solidFill>
+                <a:schemeClr val="tx1"/>
+              </a:solidFill>
+            </a:endParaRPr>
+          </a:p>
+          <a:p>
+            <a:pPr indent="-182880">
+              <a:lnSpc>
+                <a:spcPct val="90000"/>
+              </a:lnSpc>
+              <a:buFont typeface="Wingdings" pitchFamily="2" charset="2"/>
+              <a:buChar char="§"/>
+            </a:pPr>
+            <a:r>
+              <a:rPr lang="en-US" sz="1800" dirty="0">
+                <a:solidFill>
+                  <a:schemeClr val="tx1"/>
+                </a:solidFill>
+              </a:rPr>
+              <a:t>Para </a:t>
+            </a:r>
+            <a:r>
+              <a:rPr lang="en-US" sz="1800" dirty="0" err="1">
+                <a:solidFill>
+                  <a:schemeClr val="tx1"/>
+                </a:solidFill>
+              </a:rPr>
+              <a:t>essa</a:t>
+            </a:r>
+            <a:r>
+              <a:rPr lang="en-US" sz="1800" dirty="0">
+                <a:solidFill>
+                  <a:schemeClr val="tx1"/>
+                </a:solidFill>
+              </a:rPr>
+              <a:t> </a:t>
+            </a:r>
+            <a:r>
+              <a:rPr lang="en-US" sz="1800" dirty="0" err="1">
+                <a:solidFill>
+                  <a:schemeClr val="tx1"/>
+                </a:solidFill>
+              </a:rPr>
+              <a:t>algoritimo</a:t>
+            </a:r>
+            <a:r>
+              <a:rPr lang="en-US" sz="1800" dirty="0">
+                <a:solidFill>
+                  <a:schemeClr val="tx1"/>
+                </a:solidFill>
+              </a:rPr>
+              <a:t> </a:t>
+            </a:r>
+            <a:r>
+              <a:rPr lang="en-US" sz="1800" dirty="0" err="1">
+                <a:solidFill>
+                  <a:schemeClr val="tx1"/>
+                </a:solidFill>
+              </a:rPr>
+              <a:t>em</a:t>
+            </a:r>
+            <a:r>
+              <a:rPr lang="en-US" sz="1800" dirty="0">
+                <a:solidFill>
+                  <a:schemeClr val="tx1"/>
+                </a:solidFill>
+              </a:rPr>
+              <a:t> </a:t>
+            </a:r>
+            <a:r>
+              <a:rPr lang="en-US" sz="1800" dirty="0" err="1">
+                <a:solidFill>
+                  <a:schemeClr val="tx1"/>
+                </a:solidFill>
+              </a:rPr>
+              <a:t>pré-ordem</a:t>
+            </a:r>
+            <a:r>
+              <a:rPr lang="en-US" sz="1800" dirty="0">
+                <a:solidFill>
+                  <a:schemeClr val="tx1"/>
+                </a:solidFill>
+              </a:rPr>
+              <a:t> </a:t>
+            </a:r>
+            <a:r>
+              <a:rPr lang="en-US" sz="1800" dirty="0" err="1">
+                <a:solidFill>
+                  <a:schemeClr val="tx1"/>
+                </a:solidFill>
+              </a:rPr>
+              <a:t>encontar</a:t>
+            </a:r>
+            <a:r>
+              <a:rPr lang="en-US" sz="1800" dirty="0">
+                <a:solidFill>
+                  <a:schemeClr val="tx1"/>
+                </a:solidFill>
+              </a:rPr>
+              <a:t> a </a:t>
+            </a:r>
+            <a:r>
+              <a:rPr lang="en-US" sz="1800" dirty="0" err="1">
+                <a:solidFill>
+                  <a:schemeClr val="tx1"/>
+                </a:solidFill>
+              </a:rPr>
+              <a:t>folha</a:t>
+            </a:r>
+            <a:r>
+              <a:rPr lang="en-US" sz="1800" dirty="0">
+                <a:solidFill>
+                  <a:schemeClr val="tx1"/>
+                </a:solidFill>
+              </a:rPr>
+              <a:t> “67”, </a:t>
+            </a:r>
+            <a:r>
+              <a:rPr lang="en-US" sz="1800" dirty="0" err="1">
+                <a:solidFill>
+                  <a:schemeClr val="tx1"/>
+                </a:solidFill>
+              </a:rPr>
+              <a:t>ele</a:t>
+            </a:r>
+            <a:r>
+              <a:rPr lang="en-US" sz="1800" dirty="0">
+                <a:solidFill>
+                  <a:schemeClr val="tx1"/>
+                </a:solidFill>
+              </a:rPr>
+              <a:t> </a:t>
+            </a:r>
+            <a:r>
+              <a:rPr lang="en-US" sz="1800" dirty="0" err="1">
+                <a:solidFill>
+                  <a:schemeClr val="tx1"/>
+                </a:solidFill>
+              </a:rPr>
+              <a:t>executa</a:t>
+            </a:r>
+            <a:r>
+              <a:rPr lang="en-US" sz="1800" dirty="0">
+                <a:solidFill>
+                  <a:schemeClr val="tx1"/>
+                </a:solidFill>
+              </a:rPr>
+              <a:t> 11 </a:t>
+            </a:r>
+            <a:r>
+              <a:rPr lang="en-US" sz="1800" dirty="0" err="1">
+                <a:solidFill>
+                  <a:schemeClr val="tx1"/>
+                </a:solidFill>
+              </a:rPr>
+              <a:t>instruções</a:t>
+            </a:r>
+            <a:r>
+              <a:rPr lang="en-US" sz="1800" dirty="0">
+                <a:solidFill>
+                  <a:schemeClr val="tx1"/>
+                </a:solidFill>
+              </a:rPr>
+              <a:t>.</a:t>
             </a:r>
           </a:p>
         </p:txBody>
@@ -5365,13 +6005,482 @@
               <a:buChar char="§"/>
             </a:pPr>
             <a:r>
-              <a:rPr lang="en-US" sz="1800">
-                <a:solidFill>
-                  <a:schemeClr val="tx1"/>
-                </a:solidFill>
-              </a:rPr>
-              <a:t>Busca em-ordem consiste em ao visitar cada nó, primeiro visitar o filho esquerdo, depois o próprio nó e depois o filho direito.</a:t>
-            </a:r>
+              <a:rPr lang="en-US" sz="1800" dirty="0" err="1">
+                <a:solidFill>
+                  <a:schemeClr val="tx1"/>
+                </a:solidFill>
+              </a:rPr>
+              <a:t>Busca</a:t>
+            </a:r>
+            <a:r>
+              <a:rPr lang="en-US" sz="1800" dirty="0">
+                <a:solidFill>
+                  <a:schemeClr val="tx1"/>
+                </a:solidFill>
+              </a:rPr>
+              <a:t> </a:t>
+            </a:r>
+            <a:r>
+              <a:rPr lang="en-US" sz="1800" dirty="0" err="1">
+                <a:solidFill>
+                  <a:schemeClr val="tx1"/>
+                </a:solidFill>
+              </a:rPr>
+              <a:t>em-ordem</a:t>
+            </a:r>
+            <a:r>
+              <a:rPr lang="en-US" sz="1800" dirty="0">
+                <a:solidFill>
+                  <a:schemeClr val="tx1"/>
+                </a:solidFill>
+              </a:rPr>
+              <a:t> </a:t>
+            </a:r>
+            <a:r>
+              <a:rPr lang="en-US" sz="1800" dirty="0" err="1">
+                <a:solidFill>
+                  <a:schemeClr val="tx1"/>
+                </a:solidFill>
+              </a:rPr>
+              <a:t>consiste</a:t>
+            </a:r>
+            <a:r>
+              <a:rPr lang="en-US" sz="1800" dirty="0">
+                <a:solidFill>
+                  <a:schemeClr val="tx1"/>
+                </a:solidFill>
+              </a:rPr>
+              <a:t> </a:t>
+            </a:r>
+            <a:r>
+              <a:rPr lang="en-US" sz="1800" dirty="0" err="1">
+                <a:solidFill>
+                  <a:schemeClr val="tx1"/>
+                </a:solidFill>
+              </a:rPr>
+              <a:t>em</a:t>
+            </a:r>
+            <a:r>
+              <a:rPr lang="en-US" sz="1800" dirty="0">
+                <a:solidFill>
+                  <a:schemeClr val="tx1"/>
+                </a:solidFill>
+              </a:rPr>
+              <a:t>, </a:t>
+            </a:r>
+            <a:r>
+              <a:rPr lang="en-US" sz="1800" dirty="0" err="1">
+                <a:solidFill>
+                  <a:schemeClr val="tx1"/>
+                </a:solidFill>
+              </a:rPr>
+              <a:t>ao</a:t>
+            </a:r>
+            <a:r>
+              <a:rPr lang="en-US" sz="1800" dirty="0">
+                <a:solidFill>
+                  <a:schemeClr val="tx1"/>
+                </a:solidFill>
+              </a:rPr>
+              <a:t> </a:t>
+            </a:r>
+            <a:r>
+              <a:rPr lang="en-US" sz="1800" dirty="0" err="1">
+                <a:solidFill>
+                  <a:schemeClr val="tx1"/>
+                </a:solidFill>
+              </a:rPr>
+              <a:t>visitar</a:t>
+            </a:r>
+            <a:r>
+              <a:rPr lang="en-US" sz="1800" dirty="0">
+                <a:solidFill>
+                  <a:schemeClr val="tx1"/>
+                </a:solidFill>
+              </a:rPr>
+              <a:t> </a:t>
+            </a:r>
+            <a:r>
+              <a:rPr lang="en-US" sz="1800" dirty="0" err="1">
+                <a:solidFill>
+                  <a:schemeClr val="tx1"/>
+                </a:solidFill>
+              </a:rPr>
+              <a:t>cada</a:t>
+            </a:r>
+            <a:r>
+              <a:rPr lang="en-US" sz="1800" dirty="0">
+                <a:solidFill>
+                  <a:schemeClr val="tx1"/>
+                </a:solidFill>
+              </a:rPr>
+              <a:t> </a:t>
+            </a:r>
+            <a:r>
+              <a:rPr lang="en-US" sz="1800" dirty="0" err="1">
+                <a:solidFill>
+                  <a:schemeClr val="tx1"/>
+                </a:solidFill>
+              </a:rPr>
+              <a:t>nó</a:t>
+            </a:r>
+            <a:r>
+              <a:rPr lang="en-US" sz="1800" dirty="0">
+                <a:solidFill>
+                  <a:schemeClr val="tx1"/>
+                </a:solidFill>
+              </a:rPr>
+              <a:t>, </a:t>
+            </a:r>
+            <a:r>
+              <a:rPr lang="en-US" sz="1800" dirty="0" err="1">
+                <a:solidFill>
+                  <a:schemeClr val="tx1"/>
+                </a:solidFill>
+              </a:rPr>
+              <a:t>primeiro</a:t>
+            </a:r>
+            <a:r>
+              <a:rPr lang="en-US" sz="1800" dirty="0">
+                <a:solidFill>
+                  <a:schemeClr val="tx1"/>
+                </a:solidFill>
+              </a:rPr>
+              <a:t> </a:t>
+            </a:r>
+            <a:r>
+              <a:rPr lang="en-US" sz="1800" dirty="0" err="1">
+                <a:solidFill>
+                  <a:schemeClr val="tx1"/>
+                </a:solidFill>
+              </a:rPr>
+              <a:t>visitar</a:t>
+            </a:r>
+            <a:r>
+              <a:rPr lang="en-US" sz="1800" dirty="0">
+                <a:solidFill>
+                  <a:schemeClr val="tx1"/>
+                </a:solidFill>
+              </a:rPr>
+              <a:t> o </a:t>
+            </a:r>
+            <a:r>
+              <a:rPr lang="en-US" sz="1800" dirty="0" err="1">
+                <a:solidFill>
+                  <a:schemeClr val="tx1"/>
+                </a:solidFill>
+              </a:rPr>
+              <a:t>filho</a:t>
+            </a:r>
+            <a:r>
+              <a:rPr lang="en-US" sz="1800" dirty="0">
+                <a:solidFill>
+                  <a:schemeClr val="tx1"/>
+                </a:solidFill>
+              </a:rPr>
+              <a:t> </a:t>
+            </a:r>
+            <a:r>
+              <a:rPr lang="en-US" sz="1800" dirty="0" err="1">
+                <a:solidFill>
+                  <a:schemeClr val="tx1"/>
+                </a:solidFill>
+              </a:rPr>
+              <a:t>esquerdo</a:t>
+            </a:r>
+            <a:r>
+              <a:rPr lang="en-US" sz="1800" dirty="0">
+                <a:solidFill>
+                  <a:schemeClr val="tx1"/>
+                </a:solidFill>
+              </a:rPr>
+              <a:t>, </a:t>
+            </a:r>
+            <a:r>
+              <a:rPr lang="en-US" sz="1800" dirty="0" err="1">
+                <a:solidFill>
+                  <a:schemeClr val="tx1"/>
+                </a:solidFill>
+              </a:rPr>
+              <a:t>depois</a:t>
+            </a:r>
+            <a:r>
+              <a:rPr lang="en-US" sz="1800" dirty="0">
+                <a:solidFill>
+                  <a:schemeClr val="tx1"/>
+                </a:solidFill>
+              </a:rPr>
+              <a:t> o </a:t>
+            </a:r>
+            <a:r>
+              <a:rPr lang="en-US" sz="1800" dirty="0" err="1">
+                <a:solidFill>
+                  <a:schemeClr val="tx1"/>
+                </a:solidFill>
+              </a:rPr>
+              <a:t>próprio</a:t>
+            </a:r>
+            <a:r>
+              <a:rPr lang="en-US" sz="1800" dirty="0">
+                <a:solidFill>
+                  <a:schemeClr val="tx1"/>
+                </a:solidFill>
+              </a:rPr>
+              <a:t> </a:t>
+            </a:r>
+            <a:r>
+              <a:rPr lang="en-US" sz="1800" dirty="0" err="1">
+                <a:solidFill>
+                  <a:schemeClr val="tx1"/>
+                </a:solidFill>
+              </a:rPr>
+              <a:t>nó</a:t>
+            </a:r>
+            <a:r>
+              <a:rPr lang="en-US" sz="1800" dirty="0">
+                <a:solidFill>
+                  <a:schemeClr val="tx1"/>
+                </a:solidFill>
+              </a:rPr>
+              <a:t> e </a:t>
+            </a:r>
+            <a:r>
+              <a:rPr lang="en-US" sz="1800" dirty="0" err="1">
+                <a:solidFill>
+                  <a:schemeClr val="tx1"/>
+                </a:solidFill>
+              </a:rPr>
+              <a:t>depois</a:t>
+            </a:r>
+            <a:r>
+              <a:rPr lang="en-US" sz="1800" dirty="0">
+                <a:solidFill>
+                  <a:schemeClr val="tx1"/>
+                </a:solidFill>
+              </a:rPr>
+              <a:t> o </a:t>
+            </a:r>
+            <a:r>
+              <a:rPr lang="en-US" sz="1800" dirty="0" err="1">
+                <a:solidFill>
+                  <a:schemeClr val="tx1"/>
+                </a:solidFill>
+              </a:rPr>
+              <a:t>filho</a:t>
+            </a:r>
+            <a:r>
+              <a:rPr lang="en-US" sz="1800" dirty="0">
+                <a:solidFill>
+                  <a:schemeClr val="tx1"/>
+                </a:solidFill>
+              </a:rPr>
+              <a:t> </a:t>
+            </a:r>
+            <a:r>
+              <a:rPr lang="en-US" sz="1800" dirty="0" err="1">
+                <a:solidFill>
+                  <a:schemeClr val="tx1"/>
+                </a:solidFill>
+              </a:rPr>
+              <a:t>direito</a:t>
+            </a:r>
+            <a:r>
+              <a:rPr lang="en-US" sz="1800" dirty="0">
+                <a:solidFill>
+                  <a:schemeClr val="tx1"/>
+                </a:solidFill>
+              </a:rPr>
+              <a:t>.</a:t>
+            </a:r>
+          </a:p>
+          <a:p>
+            <a:pPr indent="-182880">
+              <a:lnSpc>
+                <a:spcPct val="90000"/>
+              </a:lnSpc>
+              <a:buFont typeface="Wingdings" pitchFamily="2" charset="2"/>
+              <a:buChar char="§"/>
+            </a:pPr>
+            <a:endParaRPr lang="en-US" sz="1800" dirty="0">
+              <a:solidFill>
+                <a:schemeClr val="tx1"/>
+              </a:solidFill>
+            </a:endParaRPr>
+          </a:p>
+          <a:p>
+            <a:pPr indent="-182880">
+              <a:lnSpc>
+                <a:spcPct val="90000"/>
+              </a:lnSpc>
+              <a:buFont typeface="Wingdings" pitchFamily="2" charset="2"/>
+              <a:buChar char="§"/>
+            </a:pPr>
+            <a:r>
+              <a:rPr lang="en-US" sz="1800" dirty="0">
+                <a:solidFill>
+                  <a:schemeClr val="tx1"/>
+                </a:solidFill>
+              </a:rPr>
+              <a:t>Para </a:t>
+            </a:r>
+            <a:r>
+              <a:rPr lang="en-US" sz="1800" dirty="0" err="1">
+                <a:solidFill>
+                  <a:schemeClr val="tx1"/>
+                </a:solidFill>
+              </a:rPr>
+              <a:t>essa</a:t>
+            </a:r>
+            <a:r>
+              <a:rPr lang="en-US" sz="1800" dirty="0">
+                <a:solidFill>
+                  <a:schemeClr val="tx1"/>
+                </a:solidFill>
+              </a:rPr>
+              <a:t> </a:t>
+            </a:r>
+            <a:r>
+              <a:rPr lang="en-US" sz="1800" dirty="0" err="1">
+                <a:solidFill>
+                  <a:schemeClr val="tx1"/>
+                </a:solidFill>
+              </a:rPr>
+              <a:t>algoritimo</a:t>
+            </a:r>
+            <a:r>
+              <a:rPr lang="en-US" sz="1800" dirty="0">
+                <a:solidFill>
+                  <a:schemeClr val="tx1"/>
+                </a:solidFill>
+              </a:rPr>
+              <a:t> </a:t>
+            </a:r>
+            <a:r>
+              <a:rPr lang="en-US" sz="1800" dirty="0" err="1">
+                <a:solidFill>
+                  <a:schemeClr val="tx1"/>
+                </a:solidFill>
+              </a:rPr>
+              <a:t>em</a:t>
+            </a:r>
+            <a:r>
+              <a:rPr lang="en-US" sz="1800" dirty="0">
+                <a:solidFill>
+                  <a:schemeClr val="tx1"/>
+                </a:solidFill>
+              </a:rPr>
+              <a:t> in-</a:t>
+            </a:r>
+            <a:r>
+              <a:rPr lang="en-US" sz="1800" dirty="0" err="1">
+                <a:solidFill>
+                  <a:schemeClr val="tx1"/>
+                </a:solidFill>
+              </a:rPr>
+              <a:t>ordem</a:t>
+            </a:r>
+            <a:r>
+              <a:rPr lang="en-US" sz="1800" dirty="0">
+                <a:solidFill>
+                  <a:schemeClr val="tx1"/>
+                </a:solidFill>
+              </a:rPr>
+              <a:t> </a:t>
+            </a:r>
+            <a:r>
+              <a:rPr lang="en-US" sz="1800" dirty="0" err="1">
+                <a:solidFill>
+                  <a:schemeClr val="tx1"/>
+                </a:solidFill>
+              </a:rPr>
+              <a:t>encontar</a:t>
+            </a:r>
+            <a:r>
+              <a:rPr lang="en-US" sz="1800" dirty="0">
+                <a:solidFill>
+                  <a:schemeClr val="tx1"/>
+                </a:solidFill>
+              </a:rPr>
+              <a:t> a </a:t>
+            </a:r>
+            <a:r>
+              <a:rPr lang="en-US" sz="1800" dirty="0" err="1">
+                <a:solidFill>
+                  <a:schemeClr val="tx1"/>
+                </a:solidFill>
+              </a:rPr>
+              <a:t>folha</a:t>
+            </a:r>
+            <a:r>
+              <a:rPr lang="en-US" sz="1800" dirty="0">
+                <a:solidFill>
+                  <a:schemeClr val="tx1"/>
+                </a:solidFill>
+              </a:rPr>
+              <a:t> “67”, </a:t>
+            </a:r>
+            <a:r>
+              <a:rPr lang="en-US" sz="1800" dirty="0" err="1">
+                <a:solidFill>
+                  <a:schemeClr val="tx1"/>
+                </a:solidFill>
+              </a:rPr>
+              <a:t>ele</a:t>
+            </a:r>
+            <a:r>
+              <a:rPr lang="en-US" sz="1800" dirty="0">
+                <a:solidFill>
+                  <a:schemeClr val="tx1"/>
+                </a:solidFill>
+              </a:rPr>
+              <a:t> </a:t>
+            </a:r>
+            <a:r>
+              <a:rPr lang="en-US" sz="1800" dirty="0" err="1">
+                <a:solidFill>
+                  <a:schemeClr val="tx1"/>
+                </a:solidFill>
+              </a:rPr>
+              <a:t>executa</a:t>
+            </a:r>
+            <a:r>
+              <a:rPr lang="en-US" sz="1800" dirty="0">
+                <a:solidFill>
+                  <a:schemeClr val="tx1"/>
+                </a:solidFill>
+              </a:rPr>
+              <a:t> 9 </a:t>
+            </a:r>
+            <a:r>
+              <a:rPr lang="en-US" sz="1800" dirty="0" err="1">
+                <a:solidFill>
+                  <a:schemeClr val="tx1"/>
+                </a:solidFill>
+              </a:rPr>
+              <a:t>instruções</a:t>
+            </a:r>
+            <a:r>
+              <a:rPr lang="en-US" sz="1800" dirty="0">
+                <a:solidFill>
+                  <a:schemeClr val="tx1"/>
+                </a:solidFill>
+              </a:rPr>
+              <a:t>.</a:t>
+            </a:r>
+          </a:p>
+          <a:p>
+            <a:pPr indent="-182880">
+              <a:lnSpc>
+                <a:spcPct val="90000"/>
+              </a:lnSpc>
+              <a:buFont typeface="Wingdings" pitchFamily="2" charset="2"/>
+              <a:buChar char="§"/>
+            </a:pPr>
+            <a:endParaRPr lang="en-US" sz="1800" dirty="0">
+              <a:solidFill>
+                <a:schemeClr val="tx1"/>
+              </a:solidFill>
+            </a:endParaRPr>
           </a:p>
         </p:txBody>
       </p:sp>
@@ -5998,13 +7107,402 @@
               <a:buChar char="§"/>
             </a:pPr>
             <a:r>
-              <a:rPr lang="en-US" sz="1800">
-                <a:solidFill>
-                  <a:schemeClr val="tx1"/>
-                </a:solidFill>
-              </a:rPr>
-              <a:t>O que você parece estar querendo é a vista em pós-ordem que é a de visitar o nó só após os filhos serem visitados.</a:t>
-            </a:r>
+              <a:rPr lang="en-US" sz="1800" dirty="0" err="1">
+                <a:solidFill>
+                  <a:schemeClr val="tx1"/>
+                </a:solidFill>
+              </a:rPr>
+              <a:t>Busca</a:t>
+            </a:r>
+            <a:r>
+              <a:rPr lang="en-US" sz="1800" dirty="0">
+                <a:solidFill>
+                  <a:schemeClr val="tx1"/>
+                </a:solidFill>
+              </a:rPr>
+              <a:t> </a:t>
+            </a:r>
+            <a:r>
+              <a:rPr lang="en-US" sz="1800" dirty="0" err="1">
+                <a:solidFill>
+                  <a:schemeClr val="tx1"/>
+                </a:solidFill>
+              </a:rPr>
+              <a:t>em</a:t>
+            </a:r>
+            <a:r>
+              <a:rPr lang="en-US" sz="1800" dirty="0">
+                <a:solidFill>
+                  <a:schemeClr val="tx1"/>
+                </a:solidFill>
+              </a:rPr>
+              <a:t> </a:t>
+            </a:r>
+            <a:r>
+              <a:rPr lang="en-US" sz="1800" dirty="0" err="1">
+                <a:solidFill>
+                  <a:schemeClr val="tx1"/>
+                </a:solidFill>
+              </a:rPr>
+              <a:t>pós-ordem</a:t>
+            </a:r>
+            <a:r>
+              <a:rPr lang="en-US" sz="1800" dirty="0">
+                <a:solidFill>
+                  <a:schemeClr val="tx1"/>
+                </a:solidFill>
+              </a:rPr>
+              <a:t> </a:t>
+            </a:r>
+            <a:r>
+              <a:rPr lang="en-US" sz="1800" dirty="0" err="1">
+                <a:solidFill>
+                  <a:schemeClr val="tx1"/>
+                </a:solidFill>
+              </a:rPr>
+              <a:t>consiste</a:t>
+            </a:r>
+            <a:r>
+              <a:rPr lang="en-US" sz="1800" dirty="0">
+                <a:solidFill>
+                  <a:schemeClr val="tx1"/>
+                </a:solidFill>
+              </a:rPr>
+              <a:t> </a:t>
+            </a:r>
+            <a:r>
+              <a:rPr lang="en-US" sz="1800" dirty="0" err="1">
+                <a:solidFill>
+                  <a:schemeClr val="tx1"/>
+                </a:solidFill>
+              </a:rPr>
+              <a:t>em</a:t>
+            </a:r>
+            <a:r>
+              <a:rPr lang="en-US" sz="1800" dirty="0">
+                <a:solidFill>
+                  <a:schemeClr val="tx1"/>
+                </a:solidFill>
+              </a:rPr>
+              <a:t>, </a:t>
+            </a:r>
+            <a:r>
+              <a:rPr lang="en-US" sz="1800" dirty="0" err="1">
+                <a:solidFill>
+                  <a:schemeClr val="tx1"/>
+                </a:solidFill>
+              </a:rPr>
+              <a:t>visitar</a:t>
+            </a:r>
+            <a:r>
+              <a:rPr lang="en-US" sz="1800" dirty="0">
+                <a:solidFill>
+                  <a:schemeClr val="tx1"/>
+                </a:solidFill>
+              </a:rPr>
+              <a:t> o </a:t>
+            </a:r>
+            <a:r>
+              <a:rPr lang="en-US" sz="1800" dirty="0" err="1">
+                <a:solidFill>
+                  <a:schemeClr val="tx1"/>
+                </a:solidFill>
+              </a:rPr>
+              <a:t>nó</a:t>
+            </a:r>
+            <a:r>
+              <a:rPr lang="en-US" sz="1800" dirty="0">
+                <a:solidFill>
+                  <a:schemeClr val="tx1"/>
+                </a:solidFill>
+              </a:rPr>
+              <a:t> </a:t>
+            </a:r>
+            <a:r>
+              <a:rPr lang="en-US" sz="1800" dirty="0" err="1">
+                <a:solidFill>
+                  <a:schemeClr val="tx1"/>
+                </a:solidFill>
+              </a:rPr>
+              <a:t>só</a:t>
+            </a:r>
+            <a:r>
+              <a:rPr lang="en-US" sz="1800" dirty="0">
+                <a:solidFill>
+                  <a:schemeClr val="tx1"/>
+                </a:solidFill>
+              </a:rPr>
+              <a:t> </a:t>
+            </a:r>
+            <a:r>
+              <a:rPr lang="en-US" sz="1800" dirty="0" err="1">
+                <a:solidFill>
+                  <a:schemeClr val="tx1"/>
+                </a:solidFill>
+              </a:rPr>
+              <a:t>após</a:t>
+            </a:r>
+            <a:r>
+              <a:rPr lang="en-US" sz="1800" dirty="0">
+                <a:solidFill>
+                  <a:schemeClr val="tx1"/>
+                </a:solidFill>
+              </a:rPr>
+              <a:t> </a:t>
+            </a:r>
+            <a:r>
+              <a:rPr lang="en-US" sz="1800" dirty="0" err="1">
+                <a:solidFill>
+                  <a:schemeClr val="tx1"/>
+                </a:solidFill>
+              </a:rPr>
+              <a:t>os</a:t>
+            </a:r>
+            <a:r>
+              <a:rPr lang="en-US" sz="1800" dirty="0">
+                <a:solidFill>
+                  <a:schemeClr val="tx1"/>
+                </a:solidFill>
+              </a:rPr>
+              <a:t> </a:t>
+            </a:r>
+            <a:r>
+              <a:rPr lang="en-US" sz="1800" dirty="0" err="1">
+                <a:solidFill>
+                  <a:schemeClr val="tx1"/>
+                </a:solidFill>
+              </a:rPr>
+              <a:t>filhos</a:t>
+            </a:r>
+            <a:r>
+              <a:rPr lang="en-US" sz="1800" dirty="0">
+                <a:solidFill>
+                  <a:schemeClr val="tx1"/>
+                </a:solidFill>
+              </a:rPr>
+              <a:t> </a:t>
+            </a:r>
+            <a:r>
+              <a:rPr lang="en-US" sz="1800" dirty="0" err="1">
+                <a:solidFill>
+                  <a:schemeClr val="tx1"/>
+                </a:solidFill>
+              </a:rPr>
+              <a:t>serem</a:t>
+            </a:r>
+            <a:r>
+              <a:rPr lang="en-US" sz="1800" dirty="0">
+                <a:solidFill>
+                  <a:schemeClr val="tx1"/>
+                </a:solidFill>
+              </a:rPr>
+              <a:t> </a:t>
+            </a:r>
+            <a:r>
+              <a:rPr lang="en-US" sz="1800" dirty="0" err="1">
+                <a:solidFill>
+                  <a:schemeClr val="tx1"/>
+                </a:solidFill>
+              </a:rPr>
+              <a:t>visitados</a:t>
+            </a:r>
+            <a:r>
+              <a:rPr lang="en-US" sz="1800" dirty="0">
+                <a:solidFill>
+                  <a:schemeClr val="tx1"/>
+                </a:solidFill>
+              </a:rPr>
+              <a:t>.</a:t>
+            </a:r>
+          </a:p>
+          <a:p>
+            <a:pPr indent="-182880">
+              <a:lnSpc>
+                <a:spcPct val="90000"/>
+              </a:lnSpc>
+              <a:buFont typeface="Wingdings" pitchFamily="2" charset="2"/>
+              <a:buChar char="§"/>
+            </a:pPr>
+            <a:endParaRPr lang="en-US" sz="1800" dirty="0">
+              <a:solidFill>
+                <a:schemeClr val="tx1"/>
+              </a:solidFill>
+            </a:endParaRPr>
+          </a:p>
+          <a:p>
+            <a:pPr indent="-182880">
+              <a:lnSpc>
+                <a:spcPct val="90000"/>
+              </a:lnSpc>
+              <a:buFont typeface="Wingdings" pitchFamily="2" charset="2"/>
+              <a:buChar char="§"/>
+            </a:pPr>
+            <a:r>
+              <a:rPr lang="en-US" sz="1800" dirty="0">
+                <a:solidFill>
+                  <a:schemeClr val="tx1"/>
+                </a:solidFill>
+              </a:rPr>
+              <a:t>Para </a:t>
+            </a:r>
+            <a:r>
+              <a:rPr lang="en-US" sz="1800" dirty="0" err="1">
+                <a:solidFill>
+                  <a:schemeClr val="tx1"/>
+                </a:solidFill>
+              </a:rPr>
+              <a:t>essa</a:t>
+            </a:r>
+            <a:r>
+              <a:rPr lang="en-US" sz="1800" dirty="0">
+                <a:solidFill>
+                  <a:schemeClr val="tx1"/>
+                </a:solidFill>
+              </a:rPr>
+              <a:t> </a:t>
+            </a:r>
+            <a:r>
+              <a:rPr lang="en-US" sz="1800" dirty="0" err="1">
+                <a:solidFill>
+                  <a:schemeClr val="tx1"/>
+                </a:solidFill>
+              </a:rPr>
+              <a:t>algoritimo</a:t>
+            </a:r>
+            <a:r>
+              <a:rPr lang="en-US" sz="1800" dirty="0">
+                <a:solidFill>
+                  <a:schemeClr val="tx1"/>
+                </a:solidFill>
+              </a:rPr>
+              <a:t> </a:t>
+            </a:r>
+            <a:r>
+              <a:rPr lang="en-US" sz="1800" dirty="0" err="1">
+                <a:solidFill>
+                  <a:schemeClr val="tx1"/>
+                </a:solidFill>
+              </a:rPr>
+              <a:t>em</a:t>
+            </a:r>
+            <a:r>
+              <a:rPr lang="en-US" sz="1800" dirty="0">
+                <a:solidFill>
+                  <a:schemeClr val="tx1"/>
+                </a:solidFill>
+              </a:rPr>
+              <a:t> </a:t>
+            </a:r>
+            <a:r>
+              <a:rPr lang="en-US" sz="1800" dirty="0" err="1">
+                <a:solidFill>
+                  <a:schemeClr val="tx1"/>
+                </a:solidFill>
+              </a:rPr>
+              <a:t>pós-ordem</a:t>
+            </a:r>
+            <a:r>
+              <a:rPr lang="en-US" sz="1800" dirty="0">
+                <a:solidFill>
+                  <a:schemeClr val="tx1"/>
+                </a:solidFill>
+              </a:rPr>
+              <a:t> </a:t>
+            </a:r>
+            <a:r>
+              <a:rPr lang="en-US" sz="1800" dirty="0" err="1">
+                <a:solidFill>
+                  <a:schemeClr val="tx1"/>
+                </a:solidFill>
+              </a:rPr>
+              <a:t>encontar</a:t>
+            </a:r>
+            <a:r>
+              <a:rPr lang="en-US" sz="1800" dirty="0">
+                <a:solidFill>
+                  <a:schemeClr val="tx1"/>
+                </a:solidFill>
+              </a:rPr>
+              <a:t> a </a:t>
+            </a:r>
+            <a:r>
+              <a:rPr lang="en-US" sz="1800" dirty="0" err="1">
+                <a:solidFill>
+                  <a:schemeClr val="tx1"/>
+                </a:solidFill>
+              </a:rPr>
+              <a:t>folha</a:t>
+            </a:r>
+            <a:r>
+              <a:rPr lang="en-US" sz="1800" dirty="0">
+                <a:solidFill>
+                  <a:schemeClr val="tx1"/>
+                </a:solidFill>
+              </a:rPr>
+              <a:t> “67”, </a:t>
+            </a:r>
+            <a:r>
+              <a:rPr lang="en-US" sz="1800" dirty="0" err="1">
+                <a:solidFill>
+                  <a:schemeClr val="tx1"/>
+                </a:solidFill>
+              </a:rPr>
+              <a:t>ele</a:t>
+            </a:r>
+            <a:r>
+              <a:rPr lang="en-US" sz="1800" dirty="0">
+                <a:solidFill>
+                  <a:schemeClr val="tx1"/>
+                </a:solidFill>
+              </a:rPr>
+              <a:t> </a:t>
+            </a:r>
+            <a:r>
+              <a:rPr lang="en-US" sz="1800" dirty="0" err="1">
+                <a:solidFill>
+                  <a:schemeClr val="tx1"/>
+                </a:solidFill>
+              </a:rPr>
+              <a:t>executa</a:t>
+            </a:r>
+            <a:r>
+              <a:rPr lang="en-US" sz="1800" dirty="0">
+                <a:solidFill>
+                  <a:schemeClr val="tx1"/>
+                </a:solidFill>
+              </a:rPr>
+              <a:t> 7 </a:t>
+            </a:r>
+            <a:r>
+              <a:rPr lang="en-US" sz="1800" dirty="0" err="1">
+                <a:solidFill>
+                  <a:schemeClr val="tx1"/>
+                </a:solidFill>
+              </a:rPr>
+              <a:t>instruções</a:t>
+            </a:r>
+            <a:r>
+              <a:rPr lang="en-US" sz="1800" dirty="0">
+                <a:solidFill>
+                  <a:schemeClr val="tx1"/>
+                </a:solidFill>
+              </a:rPr>
+              <a:t>.</a:t>
+            </a:r>
+          </a:p>
+          <a:p>
+            <a:pPr indent="-182880">
+              <a:lnSpc>
+                <a:spcPct val="90000"/>
+              </a:lnSpc>
+              <a:buFont typeface="Wingdings" pitchFamily="2" charset="2"/>
+              <a:buChar char="§"/>
+            </a:pPr>
+            <a:endParaRPr lang="en-US" sz="1800" dirty="0">
+              <a:solidFill>
+                <a:schemeClr val="tx1"/>
+              </a:solidFill>
+            </a:endParaRPr>
           </a:p>
         </p:txBody>
       </p:sp>
@@ -6726,13 +8224,1066 @@
               <a:buChar char="§"/>
             </a:pPr>
             <a:r>
-              <a:rPr lang="en-US">
-                <a:solidFill>
-                  <a:schemeClr val="tx1"/>
-                </a:solidFill>
-              </a:rPr>
-              <a:t>A busca começa examinando o nó raiz. Se a árvore está vazia, o valor procurado não pode existir na árvore. Caso contrário, se o valor é igual a raiz, a busca foi bem sucedida. Se o valor é menor do que a raiz, a busca segue pela sub-árvore esquerda. Similarmente, se o valor é maior do que a raiz, a busca segue pela sub-árvore direita. Esse processo é repetido até o valor ser encontrado ou a sub-árvore ser nula (vazia). Se o valor não for encontrado até a busca chegar na sub-árvore nula, então o valor não deve estar presente na árvore.</a:t>
-            </a:r>
+              <a:rPr lang="en-US" dirty="0">
+                <a:solidFill>
+                  <a:schemeClr val="tx1"/>
+                </a:solidFill>
+              </a:rPr>
+              <a:t>A </a:t>
+            </a:r>
+            <a:r>
+              <a:rPr lang="en-US" dirty="0" err="1">
+                <a:solidFill>
+                  <a:schemeClr val="tx1"/>
+                </a:solidFill>
+              </a:rPr>
+              <a:t>busca</a:t>
+            </a:r>
+            <a:r>
+              <a:rPr lang="en-US" dirty="0">
+                <a:solidFill>
+                  <a:schemeClr val="tx1"/>
+                </a:solidFill>
+              </a:rPr>
+              <a:t> </a:t>
+            </a:r>
+            <a:r>
+              <a:rPr lang="en-US" dirty="0" err="1">
+                <a:solidFill>
+                  <a:schemeClr val="tx1"/>
+                </a:solidFill>
+              </a:rPr>
+              <a:t>começa</a:t>
+            </a:r>
+            <a:r>
+              <a:rPr lang="en-US" dirty="0">
+                <a:solidFill>
+                  <a:schemeClr val="tx1"/>
+                </a:solidFill>
+              </a:rPr>
+              <a:t> </a:t>
+            </a:r>
+            <a:r>
+              <a:rPr lang="en-US" dirty="0" err="1">
+                <a:solidFill>
+                  <a:schemeClr val="tx1"/>
+                </a:solidFill>
+              </a:rPr>
+              <a:t>examinando</a:t>
+            </a:r>
+            <a:r>
+              <a:rPr lang="en-US" dirty="0">
+                <a:solidFill>
+                  <a:schemeClr val="tx1"/>
+                </a:solidFill>
+              </a:rPr>
+              <a:t> o </a:t>
+            </a:r>
+            <a:r>
+              <a:rPr lang="en-US" dirty="0" err="1">
+                <a:solidFill>
+                  <a:schemeClr val="tx1"/>
+                </a:solidFill>
+              </a:rPr>
+              <a:t>nó</a:t>
+            </a:r>
+            <a:r>
+              <a:rPr lang="en-US" dirty="0">
+                <a:solidFill>
+                  <a:schemeClr val="tx1"/>
+                </a:solidFill>
+              </a:rPr>
+              <a:t> </a:t>
+            </a:r>
+            <a:r>
+              <a:rPr lang="en-US" dirty="0" err="1">
+                <a:solidFill>
+                  <a:schemeClr val="tx1"/>
+                </a:solidFill>
+              </a:rPr>
+              <a:t>raiz</a:t>
+            </a:r>
+            <a:r>
+              <a:rPr lang="en-US" dirty="0">
+                <a:solidFill>
+                  <a:schemeClr val="tx1"/>
+                </a:solidFill>
+              </a:rPr>
+              <a:t>. Se a </a:t>
+            </a:r>
+            <a:r>
+              <a:rPr lang="en-US" dirty="0" err="1">
+                <a:solidFill>
+                  <a:schemeClr val="tx1"/>
+                </a:solidFill>
+              </a:rPr>
+              <a:t>árvore</a:t>
+            </a:r>
+            <a:r>
+              <a:rPr lang="en-US" dirty="0">
+                <a:solidFill>
+                  <a:schemeClr val="tx1"/>
+                </a:solidFill>
+              </a:rPr>
+              <a:t> </a:t>
+            </a:r>
+            <a:r>
+              <a:rPr lang="en-US" dirty="0" err="1">
+                <a:solidFill>
+                  <a:schemeClr val="tx1"/>
+                </a:solidFill>
+              </a:rPr>
+              <a:t>está</a:t>
+            </a:r>
+            <a:r>
+              <a:rPr lang="en-US" dirty="0">
+                <a:solidFill>
+                  <a:schemeClr val="tx1"/>
+                </a:solidFill>
+              </a:rPr>
+              <a:t> </a:t>
+            </a:r>
+            <a:r>
+              <a:rPr lang="en-US" dirty="0" err="1">
+                <a:solidFill>
+                  <a:schemeClr val="tx1"/>
+                </a:solidFill>
+              </a:rPr>
+              <a:t>vazia</a:t>
+            </a:r>
+            <a:r>
+              <a:rPr lang="en-US" dirty="0">
+                <a:solidFill>
+                  <a:schemeClr val="tx1"/>
+                </a:solidFill>
+              </a:rPr>
+              <a:t>, o valor </a:t>
+            </a:r>
+            <a:r>
+              <a:rPr lang="en-US" dirty="0" err="1">
+                <a:solidFill>
+                  <a:schemeClr val="tx1"/>
+                </a:solidFill>
+              </a:rPr>
+              <a:t>procurado</a:t>
+            </a:r>
+            <a:r>
+              <a:rPr lang="en-US" dirty="0">
+                <a:solidFill>
+                  <a:schemeClr val="tx1"/>
+                </a:solidFill>
+              </a:rPr>
+              <a:t> </a:t>
+            </a:r>
+            <a:r>
+              <a:rPr lang="en-US" dirty="0" err="1">
+                <a:solidFill>
+                  <a:schemeClr val="tx1"/>
+                </a:solidFill>
+              </a:rPr>
+              <a:t>não</a:t>
+            </a:r>
+            <a:r>
+              <a:rPr lang="en-US" dirty="0">
+                <a:solidFill>
+                  <a:schemeClr val="tx1"/>
+                </a:solidFill>
+              </a:rPr>
+              <a:t> </a:t>
+            </a:r>
+            <a:r>
+              <a:rPr lang="en-US" dirty="0" err="1">
+                <a:solidFill>
+                  <a:schemeClr val="tx1"/>
+                </a:solidFill>
+              </a:rPr>
+              <a:t>pode</a:t>
+            </a:r>
+            <a:r>
+              <a:rPr lang="en-US" dirty="0">
+                <a:solidFill>
+                  <a:schemeClr val="tx1"/>
+                </a:solidFill>
+              </a:rPr>
+              <a:t> </a:t>
+            </a:r>
+            <a:r>
+              <a:rPr lang="en-US" dirty="0" err="1">
+                <a:solidFill>
+                  <a:schemeClr val="tx1"/>
+                </a:solidFill>
+              </a:rPr>
+              <a:t>existir</a:t>
+            </a:r>
+            <a:r>
+              <a:rPr lang="en-US" dirty="0">
+                <a:solidFill>
+                  <a:schemeClr val="tx1"/>
+                </a:solidFill>
+              </a:rPr>
+              <a:t> </a:t>
+            </a:r>
+            <a:r>
+              <a:rPr lang="en-US" dirty="0" err="1">
+                <a:solidFill>
+                  <a:schemeClr val="tx1"/>
+                </a:solidFill>
+              </a:rPr>
+              <a:t>na</a:t>
+            </a:r>
+            <a:r>
+              <a:rPr lang="en-US" dirty="0">
+                <a:solidFill>
+                  <a:schemeClr val="tx1"/>
+                </a:solidFill>
+              </a:rPr>
+              <a:t> </a:t>
+            </a:r>
+            <a:r>
+              <a:rPr lang="en-US" dirty="0" err="1">
+                <a:solidFill>
+                  <a:schemeClr val="tx1"/>
+                </a:solidFill>
+              </a:rPr>
+              <a:t>árvore</a:t>
+            </a:r>
+            <a:r>
+              <a:rPr lang="en-US" dirty="0">
+                <a:solidFill>
+                  <a:schemeClr val="tx1"/>
+                </a:solidFill>
+              </a:rPr>
+              <a:t>. Caso </a:t>
+            </a:r>
+            <a:r>
+              <a:rPr lang="en-US" dirty="0" err="1">
+                <a:solidFill>
+                  <a:schemeClr val="tx1"/>
+                </a:solidFill>
+              </a:rPr>
+              <a:t>contrário</a:t>
+            </a:r>
+            <a:r>
+              <a:rPr lang="en-US" dirty="0">
+                <a:solidFill>
+                  <a:schemeClr val="tx1"/>
+                </a:solidFill>
+              </a:rPr>
+              <a:t>, se o valor é </a:t>
+            </a:r>
+            <a:r>
+              <a:rPr lang="en-US" dirty="0" err="1">
+                <a:solidFill>
+                  <a:schemeClr val="tx1"/>
+                </a:solidFill>
+              </a:rPr>
+              <a:t>igual</a:t>
+            </a:r>
+            <a:r>
+              <a:rPr lang="en-US" dirty="0">
+                <a:solidFill>
+                  <a:schemeClr val="tx1"/>
+                </a:solidFill>
+              </a:rPr>
+              <a:t> a </a:t>
+            </a:r>
+            <a:r>
+              <a:rPr lang="en-US" dirty="0" err="1">
+                <a:solidFill>
+                  <a:schemeClr val="tx1"/>
+                </a:solidFill>
+              </a:rPr>
+              <a:t>raiz</a:t>
+            </a:r>
+            <a:r>
+              <a:rPr lang="en-US" dirty="0">
+                <a:solidFill>
+                  <a:schemeClr val="tx1"/>
+                </a:solidFill>
+              </a:rPr>
+              <a:t>, a </a:t>
+            </a:r>
+            <a:r>
+              <a:rPr lang="en-US" dirty="0" err="1">
+                <a:solidFill>
+                  <a:schemeClr val="tx1"/>
+                </a:solidFill>
+              </a:rPr>
+              <a:t>busca</a:t>
+            </a:r>
+            <a:r>
+              <a:rPr lang="en-US" dirty="0">
+                <a:solidFill>
+                  <a:schemeClr val="tx1"/>
+                </a:solidFill>
+              </a:rPr>
+              <a:t> </a:t>
+            </a:r>
+            <a:r>
+              <a:rPr lang="en-US" dirty="0" err="1">
+                <a:solidFill>
+                  <a:schemeClr val="tx1"/>
+                </a:solidFill>
+              </a:rPr>
+              <a:t>foi</a:t>
+            </a:r>
+            <a:r>
+              <a:rPr lang="en-US" dirty="0">
+                <a:solidFill>
+                  <a:schemeClr val="tx1"/>
+                </a:solidFill>
+              </a:rPr>
+              <a:t> </a:t>
+            </a:r>
+            <a:r>
+              <a:rPr lang="en-US" dirty="0" err="1">
+                <a:solidFill>
+                  <a:schemeClr val="tx1"/>
+                </a:solidFill>
+              </a:rPr>
+              <a:t>bem</a:t>
+            </a:r>
+            <a:r>
+              <a:rPr lang="en-US" dirty="0">
+                <a:solidFill>
+                  <a:schemeClr val="tx1"/>
+                </a:solidFill>
+              </a:rPr>
+              <a:t> </a:t>
+            </a:r>
+            <a:r>
+              <a:rPr lang="en-US" dirty="0" err="1">
+                <a:solidFill>
+                  <a:schemeClr val="tx1"/>
+                </a:solidFill>
+              </a:rPr>
+              <a:t>sucedida</a:t>
+            </a:r>
+            <a:r>
+              <a:rPr lang="en-US" dirty="0">
+                <a:solidFill>
+                  <a:schemeClr val="tx1"/>
+                </a:solidFill>
+              </a:rPr>
+              <a:t>. Se o valor é </a:t>
+            </a:r>
+            <a:r>
+              <a:rPr lang="en-US" dirty="0" err="1">
+                <a:solidFill>
+                  <a:schemeClr val="tx1"/>
+                </a:solidFill>
+              </a:rPr>
+              <a:t>menor</a:t>
+            </a:r>
+            <a:r>
+              <a:rPr lang="en-US" dirty="0">
+                <a:solidFill>
+                  <a:schemeClr val="tx1"/>
+                </a:solidFill>
+              </a:rPr>
+              <a:t> do que a </a:t>
+            </a:r>
+            <a:r>
+              <a:rPr lang="en-US" dirty="0" err="1">
+                <a:solidFill>
+                  <a:schemeClr val="tx1"/>
+                </a:solidFill>
+              </a:rPr>
+              <a:t>raiz</a:t>
+            </a:r>
+            <a:r>
+              <a:rPr lang="en-US" dirty="0">
+                <a:solidFill>
+                  <a:schemeClr val="tx1"/>
+                </a:solidFill>
+              </a:rPr>
+              <a:t>, a </a:t>
+            </a:r>
+            <a:r>
+              <a:rPr lang="en-US" dirty="0" err="1">
+                <a:solidFill>
+                  <a:schemeClr val="tx1"/>
+                </a:solidFill>
+              </a:rPr>
+              <a:t>busca</a:t>
+            </a:r>
+            <a:r>
+              <a:rPr lang="en-US" dirty="0">
+                <a:solidFill>
+                  <a:schemeClr val="tx1"/>
+                </a:solidFill>
+              </a:rPr>
+              <a:t> segue pela sub-</a:t>
+            </a:r>
+            <a:r>
+              <a:rPr lang="en-US" dirty="0" err="1">
+                <a:solidFill>
+                  <a:schemeClr val="tx1"/>
+                </a:solidFill>
+              </a:rPr>
+              <a:t>árvore</a:t>
+            </a:r>
+            <a:r>
+              <a:rPr lang="en-US" dirty="0">
+                <a:solidFill>
+                  <a:schemeClr val="tx1"/>
+                </a:solidFill>
+              </a:rPr>
+              <a:t> </a:t>
+            </a:r>
+            <a:r>
+              <a:rPr lang="en-US" dirty="0" err="1">
+                <a:solidFill>
+                  <a:schemeClr val="tx1"/>
+                </a:solidFill>
+              </a:rPr>
+              <a:t>esquerda</a:t>
+            </a:r>
+            <a:r>
+              <a:rPr lang="en-US" dirty="0">
+                <a:solidFill>
+                  <a:schemeClr val="tx1"/>
+                </a:solidFill>
+              </a:rPr>
+              <a:t>. </a:t>
+            </a:r>
+            <a:r>
+              <a:rPr lang="en-US" dirty="0" err="1">
+                <a:solidFill>
+                  <a:schemeClr val="tx1"/>
+                </a:solidFill>
+              </a:rPr>
+              <a:t>Similarmente</a:t>
+            </a:r>
+            <a:r>
+              <a:rPr lang="en-US" dirty="0">
+                <a:solidFill>
+                  <a:schemeClr val="tx1"/>
+                </a:solidFill>
+              </a:rPr>
+              <a:t>, se o valor é </a:t>
+            </a:r>
+            <a:r>
+              <a:rPr lang="en-US" dirty="0" err="1">
+                <a:solidFill>
+                  <a:schemeClr val="tx1"/>
+                </a:solidFill>
+              </a:rPr>
+              <a:t>maior</a:t>
+            </a:r>
+            <a:r>
+              <a:rPr lang="en-US" dirty="0">
+                <a:solidFill>
+                  <a:schemeClr val="tx1"/>
+                </a:solidFill>
+              </a:rPr>
+              <a:t> do que a </a:t>
+            </a:r>
+            <a:r>
+              <a:rPr lang="en-US" dirty="0" err="1">
+                <a:solidFill>
+                  <a:schemeClr val="tx1"/>
+                </a:solidFill>
+              </a:rPr>
+              <a:t>raiz</a:t>
+            </a:r>
+            <a:r>
+              <a:rPr lang="en-US" dirty="0">
+                <a:solidFill>
+                  <a:schemeClr val="tx1"/>
+                </a:solidFill>
+              </a:rPr>
+              <a:t>, a </a:t>
+            </a:r>
+            <a:r>
+              <a:rPr lang="en-US" dirty="0" err="1">
+                <a:solidFill>
+                  <a:schemeClr val="tx1"/>
+                </a:solidFill>
+              </a:rPr>
+              <a:t>busca</a:t>
+            </a:r>
+            <a:r>
+              <a:rPr lang="en-US" dirty="0">
+                <a:solidFill>
+                  <a:schemeClr val="tx1"/>
+                </a:solidFill>
+              </a:rPr>
+              <a:t> segue pela sub-</a:t>
+            </a:r>
+            <a:r>
+              <a:rPr lang="en-US" dirty="0" err="1">
+                <a:solidFill>
+                  <a:schemeClr val="tx1"/>
+                </a:solidFill>
+              </a:rPr>
+              <a:t>árvore</a:t>
+            </a:r>
+            <a:r>
+              <a:rPr lang="en-US" dirty="0">
+                <a:solidFill>
+                  <a:schemeClr val="tx1"/>
+                </a:solidFill>
+              </a:rPr>
+              <a:t> </a:t>
+            </a:r>
+            <a:r>
+              <a:rPr lang="en-US" dirty="0" err="1">
+                <a:solidFill>
+                  <a:schemeClr val="tx1"/>
+                </a:solidFill>
+              </a:rPr>
+              <a:t>direita</a:t>
+            </a:r>
+            <a:r>
+              <a:rPr lang="en-US" dirty="0">
+                <a:solidFill>
+                  <a:schemeClr val="tx1"/>
+                </a:solidFill>
+              </a:rPr>
+              <a:t>. </a:t>
+            </a:r>
+            <a:r>
+              <a:rPr lang="en-US" dirty="0" err="1">
+                <a:solidFill>
+                  <a:schemeClr val="tx1"/>
+                </a:solidFill>
+              </a:rPr>
+              <a:t>Esse</a:t>
+            </a:r>
+            <a:r>
+              <a:rPr lang="en-US" dirty="0">
+                <a:solidFill>
+                  <a:schemeClr val="tx1"/>
+                </a:solidFill>
+              </a:rPr>
+              <a:t> </a:t>
+            </a:r>
+            <a:r>
+              <a:rPr lang="en-US" dirty="0" err="1">
+                <a:solidFill>
+                  <a:schemeClr val="tx1"/>
+                </a:solidFill>
+              </a:rPr>
+              <a:t>processo</a:t>
+            </a:r>
+            <a:r>
+              <a:rPr lang="en-US" dirty="0">
+                <a:solidFill>
+                  <a:schemeClr val="tx1"/>
+                </a:solidFill>
+              </a:rPr>
+              <a:t> é </a:t>
+            </a:r>
+            <a:r>
+              <a:rPr lang="en-US" dirty="0" err="1">
+                <a:solidFill>
+                  <a:schemeClr val="tx1"/>
+                </a:solidFill>
+              </a:rPr>
+              <a:t>repetido</a:t>
+            </a:r>
+            <a:r>
+              <a:rPr lang="en-US" dirty="0">
+                <a:solidFill>
+                  <a:schemeClr val="tx1"/>
+                </a:solidFill>
+              </a:rPr>
+              <a:t> </a:t>
+            </a:r>
+            <a:r>
+              <a:rPr lang="en-US" dirty="0" err="1">
+                <a:solidFill>
+                  <a:schemeClr val="tx1"/>
+                </a:solidFill>
+              </a:rPr>
+              <a:t>até</a:t>
+            </a:r>
+            <a:r>
+              <a:rPr lang="en-US" dirty="0">
+                <a:solidFill>
+                  <a:schemeClr val="tx1"/>
+                </a:solidFill>
+              </a:rPr>
+              <a:t> o valor ser </a:t>
+            </a:r>
+            <a:r>
+              <a:rPr lang="en-US" dirty="0" err="1">
+                <a:solidFill>
+                  <a:schemeClr val="tx1"/>
+                </a:solidFill>
+              </a:rPr>
+              <a:t>encontrado</a:t>
+            </a:r>
+            <a:r>
+              <a:rPr lang="en-US" dirty="0">
+                <a:solidFill>
+                  <a:schemeClr val="tx1"/>
+                </a:solidFill>
+              </a:rPr>
+              <a:t> </a:t>
+            </a:r>
+            <a:r>
+              <a:rPr lang="en-US" dirty="0" err="1">
+                <a:solidFill>
+                  <a:schemeClr val="tx1"/>
+                </a:solidFill>
+              </a:rPr>
+              <a:t>ou</a:t>
+            </a:r>
+            <a:r>
+              <a:rPr lang="en-US" dirty="0">
+                <a:solidFill>
+                  <a:schemeClr val="tx1"/>
+                </a:solidFill>
+              </a:rPr>
+              <a:t> a sub-</a:t>
+            </a:r>
+            <a:r>
+              <a:rPr lang="en-US" dirty="0" err="1">
+                <a:solidFill>
+                  <a:schemeClr val="tx1"/>
+                </a:solidFill>
+              </a:rPr>
+              <a:t>árvore</a:t>
+            </a:r>
+            <a:r>
+              <a:rPr lang="en-US" dirty="0">
+                <a:solidFill>
+                  <a:schemeClr val="tx1"/>
+                </a:solidFill>
+              </a:rPr>
+              <a:t> ser </a:t>
+            </a:r>
+            <a:r>
+              <a:rPr lang="en-US" dirty="0" err="1">
+                <a:solidFill>
+                  <a:schemeClr val="tx1"/>
+                </a:solidFill>
+              </a:rPr>
+              <a:t>nula</a:t>
+            </a:r>
+            <a:r>
+              <a:rPr lang="en-US" dirty="0">
+                <a:solidFill>
+                  <a:schemeClr val="tx1"/>
+                </a:solidFill>
+              </a:rPr>
+              <a:t> (</a:t>
+            </a:r>
+            <a:r>
+              <a:rPr lang="en-US" dirty="0" err="1">
+                <a:solidFill>
+                  <a:schemeClr val="tx1"/>
+                </a:solidFill>
+              </a:rPr>
+              <a:t>vazia</a:t>
+            </a:r>
+            <a:r>
+              <a:rPr lang="en-US" dirty="0">
+                <a:solidFill>
+                  <a:schemeClr val="tx1"/>
+                </a:solidFill>
+              </a:rPr>
+              <a:t>). Se o valor </a:t>
+            </a:r>
+            <a:r>
+              <a:rPr lang="en-US" dirty="0" err="1">
+                <a:solidFill>
+                  <a:schemeClr val="tx1"/>
+                </a:solidFill>
+              </a:rPr>
+              <a:t>não</a:t>
+            </a:r>
+            <a:r>
+              <a:rPr lang="en-US" dirty="0">
+                <a:solidFill>
+                  <a:schemeClr val="tx1"/>
+                </a:solidFill>
+              </a:rPr>
+              <a:t> for </a:t>
+            </a:r>
+            <a:r>
+              <a:rPr lang="en-US" dirty="0" err="1">
+                <a:solidFill>
+                  <a:schemeClr val="tx1"/>
+                </a:solidFill>
+              </a:rPr>
+              <a:t>encontrado</a:t>
+            </a:r>
+            <a:r>
+              <a:rPr lang="en-US" dirty="0">
+                <a:solidFill>
+                  <a:schemeClr val="tx1"/>
+                </a:solidFill>
+              </a:rPr>
+              <a:t> </a:t>
+            </a:r>
+            <a:r>
+              <a:rPr lang="en-US" dirty="0" err="1">
+                <a:solidFill>
+                  <a:schemeClr val="tx1"/>
+                </a:solidFill>
+              </a:rPr>
+              <a:t>até</a:t>
+            </a:r>
+            <a:r>
+              <a:rPr lang="en-US" dirty="0">
+                <a:solidFill>
+                  <a:schemeClr val="tx1"/>
+                </a:solidFill>
+              </a:rPr>
+              <a:t> a </a:t>
+            </a:r>
+            <a:r>
+              <a:rPr lang="en-US" dirty="0" err="1">
+                <a:solidFill>
+                  <a:schemeClr val="tx1"/>
+                </a:solidFill>
+              </a:rPr>
+              <a:t>busca</a:t>
+            </a:r>
+            <a:r>
+              <a:rPr lang="en-US" dirty="0">
+                <a:solidFill>
+                  <a:schemeClr val="tx1"/>
+                </a:solidFill>
+              </a:rPr>
+              <a:t> </a:t>
+            </a:r>
+            <a:r>
+              <a:rPr lang="en-US" dirty="0" err="1">
+                <a:solidFill>
+                  <a:schemeClr val="tx1"/>
+                </a:solidFill>
+              </a:rPr>
+              <a:t>chegar</a:t>
+            </a:r>
+            <a:r>
+              <a:rPr lang="en-US" dirty="0">
+                <a:solidFill>
+                  <a:schemeClr val="tx1"/>
+                </a:solidFill>
+              </a:rPr>
+              <a:t> </a:t>
+            </a:r>
+            <a:r>
+              <a:rPr lang="en-US" dirty="0" err="1">
+                <a:solidFill>
+                  <a:schemeClr val="tx1"/>
+                </a:solidFill>
+              </a:rPr>
+              <a:t>na</a:t>
+            </a:r>
+            <a:r>
+              <a:rPr lang="en-US" dirty="0">
+                <a:solidFill>
+                  <a:schemeClr val="tx1"/>
+                </a:solidFill>
+              </a:rPr>
+              <a:t> sub-</a:t>
+            </a:r>
+            <a:r>
+              <a:rPr lang="en-US" dirty="0" err="1">
+                <a:solidFill>
+                  <a:schemeClr val="tx1"/>
+                </a:solidFill>
+              </a:rPr>
+              <a:t>árvore</a:t>
+            </a:r>
+            <a:r>
+              <a:rPr lang="en-US" dirty="0">
+                <a:solidFill>
+                  <a:schemeClr val="tx1"/>
+                </a:solidFill>
+              </a:rPr>
+              <a:t> </a:t>
+            </a:r>
+            <a:r>
+              <a:rPr lang="en-US" dirty="0" err="1">
+                <a:solidFill>
+                  <a:schemeClr val="tx1"/>
+                </a:solidFill>
+              </a:rPr>
+              <a:t>nula</a:t>
+            </a:r>
+            <a:r>
+              <a:rPr lang="en-US" dirty="0">
+                <a:solidFill>
+                  <a:schemeClr val="tx1"/>
+                </a:solidFill>
+              </a:rPr>
+              <a:t>, </a:t>
+            </a:r>
+            <a:r>
+              <a:rPr lang="en-US" dirty="0" err="1">
+                <a:solidFill>
+                  <a:schemeClr val="tx1"/>
+                </a:solidFill>
+              </a:rPr>
+              <a:t>então</a:t>
+            </a:r>
+            <a:r>
+              <a:rPr lang="en-US" dirty="0">
+                <a:solidFill>
+                  <a:schemeClr val="tx1"/>
+                </a:solidFill>
+              </a:rPr>
+              <a:t> o valor </a:t>
+            </a:r>
+            <a:r>
+              <a:rPr lang="en-US" dirty="0" err="1">
+                <a:solidFill>
+                  <a:schemeClr val="tx1"/>
+                </a:solidFill>
+              </a:rPr>
+              <a:t>não</a:t>
+            </a:r>
+            <a:r>
+              <a:rPr lang="en-US" dirty="0">
+                <a:solidFill>
+                  <a:schemeClr val="tx1"/>
+                </a:solidFill>
+              </a:rPr>
+              <a:t> </a:t>
+            </a:r>
+            <a:r>
+              <a:rPr lang="en-US" dirty="0" err="1">
+                <a:solidFill>
+                  <a:schemeClr val="tx1"/>
+                </a:solidFill>
+              </a:rPr>
+              <a:t>deve</a:t>
+            </a:r>
+            <a:r>
+              <a:rPr lang="en-US" dirty="0">
+                <a:solidFill>
+                  <a:schemeClr val="tx1"/>
+                </a:solidFill>
+              </a:rPr>
+              <a:t> </a:t>
+            </a:r>
+            <a:r>
+              <a:rPr lang="en-US" dirty="0" err="1">
+                <a:solidFill>
+                  <a:schemeClr val="tx1"/>
+                </a:solidFill>
+              </a:rPr>
+              <a:t>estar</a:t>
+            </a:r>
+            <a:r>
+              <a:rPr lang="en-US" dirty="0">
+                <a:solidFill>
+                  <a:schemeClr val="tx1"/>
+                </a:solidFill>
+              </a:rPr>
+              <a:t> </a:t>
+            </a:r>
+            <a:r>
+              <a:rPr lang="en-US" dirty="0" err="1">
+                <a:solidFill>
+                  <a:schemeClr val="tx1"/>
+                </a:solidFill>
+              </a:rPr>
+              <a:t>presente</a:t>
+            </a:r>
+            <a:r>
+              <a:rPr lang="en-US" dirty="0">
+                <a:solidFill>
+                  <a:schemeClr val="tx1"/>
+                </a:solidFill>
+              </a:rPr>
+              <a:t> </a:t>
+            </a:r>
+            <a:r>
+              <a:rPr lang="en-US" dirty="0" err="1">
+                <a:solidFill>
+                  <a:schemeClr val="tx1"/>
+                </a:solidFill>
+              </a:rPr>
+              <a:t>na</a:t>
+            </a:r>
+            <a:r>
+              <a:rPr lang="en-US" dirty="0">
+                <a:solidFill>
+                  <a:schemeClr val="tx1"/>
+                </a:solidFill>
+              </a:rPr>
+              <a:t> </a:t>
+            </a:r>
+            <a:r>
+              <a:rPr lang="en-US" dirty="0" err="1">
+                <a:solidFill>
+                  <a:schemeClr val="tx1"/>
+                </a:solidFill>
+              </a:rPr>
+              <a:t>árvore</a:t>
+            </a:r>
+            <a:r>
+              <a:rPr lang="en-US" dirty="0">
+                <a:solidFill>
+                  <a:schemeClr val="tx1"/>
+                </a:solidFill>
+              </a:rPr>
+              <a:t>.</a:t>
+            </a:r>
+          </a:p>
+          <a:p>
+            <a:pPr indent="-182880">
+              <a:lnSpc>
+                <a:spcPct val="90000"/>
+              </a:lnSpc>
+              <a:buFont typeface="Wingdings" pitchFamily="2" charset="2"/>
+              <a:buChar char="§"/>
+            </a:pPr>
+            <a:endParaRPr lang="en-US" dirty="0">
+              <a:solidFill>
+                <a:schemeClr val="tx1"/>
+              </a:solidFill>
+            </a:endParaRPr>
+          </a:p>
+          <a:p>
+            <a:pPr indent="-182880">
+              <a:lnSpc>
+                <a:spcPct val="90000"/>
+              </a:lnSpc>
+              <a:buFont typeface="Wingdings" pitchFamily="2" charset="2"/>
+              <a:buChar char="§"/>
+            </a:pPr>
+            <a:r>
+              <a:rPr lang="en-US" dirty="0">
+                <a:solidFill>
+                  <a:schemeClr val="tx1"/>
+                </a:solidFill>
+              </a:rPr>
+              <a:t>Para </a:t>
+            </a:r>
+            <a:r>
+              <a:rPr lang="en-US" dirty="0" err="1">
+                <a:solidFill>
+                  <a:schemeClr val="tx1"/>
+                </a:solidFill>
+              </a:rPr>
+              <a:t>essa</a:t>
+            </a:r>
+            <a:r>
+              <a:rPr lang="en-US" dirty="0">
+                <a:solidFill>
+                  <a:schemeClr val="tx1"/>
+                </a:solidFill>
+              </a:rPr>
+              <a:t> </a:t>
+            </a:r>
+            <a:r>
+              <a:rPr lang="en-US" dirty="0" err="1">
+                <a:solidFill>
+                  <a:schemeClr val="tx1"/>
+                </a:solidFill>
+              </a:rPr>
+              <a:t>algoritimo</a:t>
+            </a:r>
+            <a:r>
+              <a:rPr lang="en-US" dirty="0">
+                <a:solidFill>
+                  <a:schemeClr val="tx1"/>
+                </a:solidFill>
+              </a:rPr>
+              <a:t> </a:t>
+            </a:r>
+            <a:r>
+              <a:rPr lang="en-US" dirty="0" err="1">
+                <a:solidFill>
+                  <a:schemeClr val="tx1"/>
+                </a:solidFill>
+              </a:rPr>
+              <a:t>encontar</a:t>
+            </a:r>
+            <a:r>
+              <a:rPr lang="en-US" dirty="0">
+                <a:solidFill>
+                  <a:schemeClr val="tx1"/>
+                </a:solidFill>
+              </a:rPr>
+              <a:t> a </a:t>
+            </a:r>
+            <a:r>
+              <a:rPr lang="en-US" dirty="0" err="1">
+                <a:solidFill>
+                  <a:schemeClr val="tx1"/>
+                </a:solidFill>
+              </a:rPr>
+              <a:t>folha</a:t>
+            </a:r>
+            <a:r>
+              <a:rPr lang="en-US" dirty="0">
+                <a:solidFill>
+                  <a:schemeClr val="tx1"/>
+                </a:solidFill>
+              </a:rPr>
+              <a:t> “67”, </a:t>
+            </a:r>
+            <a:r>
+              <a:rPr lang="en-US" dirty="0" err="1">
+                <a:solidFill>
+                  <a:schemeClr val="tx1"/>
+                </a:solidFill>
+              </a:rPr>
+              <a:t>ele</a:t>
+            </a:r>
+            <a:r>
+              <a:rPr lang="en-US" dirty="0">
+                <a:solidFill>
+                  <a:schemeClr val="tx1"/>
+                </a:solidFill>
+              </a:rPr>
+              <a:t> </a:t>
+            </a:r>
+            <a:r>
+              <a:rPr lang="en-US" dirty="0" err="1">
+                <a:solidFill>
+                  <a:schemeClr val="tx1"/>
+                </a:solidFill>
+              </a:rPr>
+              <a:t>executa</a:t>
+            </a:r>
+            <a:r>
+              <a:rPr lang="en-US" dirty="0">
+                <a:solidFill>
+                  <a:schemeClr val="tx1"/>
+                </a:solidFill>
+              </a:rPr>
+              <a:t> 5 </a:t>
+            </a:r>
+            <a:r>
+              <a:rPr lang="en-US" dirty="0" err="1">
+                <a:solidFill>
+                  <a:schemeClr val="tx1"/>
+                </a:solidFill>
+              </a:rPr>
+              <a:t>instrições</a:t>
+            </a:r>
+            <a:r>
+              <a:rPr lang="en-US" dirty="0">
+                <a:solidFill>
+                  <a:schemeClr val="tx1"/>
+                </a:solidFill>
+              </a:rPr>
+              <a:t>.</a:t>
+            </a:r>
+          </a:p>
+          <a:p>
+            <a:pPr indent="-182880">
+              <a:lnSpc>
+                <a:spcPct val="90000"/>
+              </a:lnSpc>
+              <a:buFont typeface="Wingdings" pitchFamily="2" charset="2"/>
+              <a:buChar char="§"/>
+            </a:pPr>
+            <a:endParaRPr lang="en-US" dirty="0">
+              <a:solidFill>
+                <a:schemeClr val="tx1"/>
+              </a:solidFill>
+            </a:endParaRPr>
           </a:p>
         </p:txBody>
       </p:sp>
@@ -6906,6 +9457,1059 @@
     <p:extLst>
       <p:ext uri="{BB962C8B-B14F-4D97-AF65-F5344CB8AC3E}">
         <p14:creationId xmlns:p14="http://schemas.microsoft.com/office/powerpoint/2010/main" val="3132290805"/>
+      </p:ext>
+    </p:extLst>
+  </p:cSld>
+  <p:clrMapOvr>
+    <a:masterClrMapping/>
+  </p:clrMapOvr>
+</p:sld>
+</file>
+
+<file path=ppt/slides/slide7.xml><?xml version="1.0" encoding="utf-8"?>
+<p:sld xmlns:a="http://schemas.openxmlformats.org/drawingml/2006/main" xmlns:r="http://schemas.openxmlformats.org/officeDocument/2006/relationships" xmlns:p="http://schemas.openxmlformats.org/presentationml/2006/main">
+  <p:cSld>
+    <p:bg>
+      <p:bgPr>
+        <a:solidFill>
+          <a:schemeClr val="bg1"/>
+        </a:solidFill>
+        <a:effectLst/>
+      </p:bgPr>
+    </p:bg>
+    <p:spTree>
+      <p:nvGrpSpPr>
+        <p:cNvPr id="1" name=""/>
+        <p:cNvGrpSpPr/>
+        <p:nvPr/>
+      </p:nvGrpSpPr>
+      <p:grpSpPr>
+        <a:xfrm>
+          <a:off x="0" y="0"/>
+          <a:ext cx="0" cy="0"/>
+          <a:chOff x="0" y="0"/>
+          <a:chExt cx="0" cy="0"/>
+        </a:xfrm>
+      </p:grpSpPr>
+      <p:sp>
+        <p:nvSpPr>
+          <p:cNvPr id="13" name="Rectangle 12">
+            <a:extLst>
+              <a:ext uri="{FF2B5EF4-FFF2-40B4-BE49-F238E27FC236}">
+                <a16:creationId xmlns:a16="http://schemas.microsoft.com/office/drawing/2014/main" id="{9A3D0CE2-91FF-49B3-A5D8-181E900D7501}"/>
+              </a:ext>
+              <a:ext uri="{C183D7F6-B498-43B3-948B-1728B52AA6E4}">
+                <adec:decorative xmlns:adec="http://schemas.microsoft.com/office/drawing/2017/decorative" val="1"/>
+              </a:ext>
+            </a:extLst>
+          </p:cNvPr>
+          <p:cNvSpPr>
+            <a:spLocks noGrp="1" noRot="1" noChangeAspect="1" noMove="1" noResize="1" noEditPoints="1" noAdjustHandles="1" noChangeArrowheads="1" noChangeShapeType="1" noTextEdit="1"/>
+          </p:cNvSpPr>
+          <p:nvPr>
+            <p:extLst>
+              <p:ext uri="{386F3935-93C4-4BCD-93E2-E3B085C9AB24}">
+                <p16:designElem xmlns:p16="http://schemas.microsoft.com/office/powerpoint/2015/main" val="1"/>
+              </p:ext>
+            </p:extLst>
+          </p:nvPr>
+        </p:nvSpPr>
+        <p:spPr>
+          <a:xfrm>
+            <a:off x="920834" y="1346946"/>
+            <a:ext cx="10222992" cy="80683"/>
+          </a:xfrm>
+          <a:prstGeom prst="rect">
+            <a:avLst/>
+          </a:prstGeom>
+          <a:blipFill dpi="0" rotWithShape="1">
+            <a:blip r:embed="rId2">
+              <a:alphaModFix amt="85000"/>
+              <a:lum bright="70000" contrast="-70000"/>
+              <a:extLst>
+                <a:ext uri="{BEBA8EAE-BF5A-486C-A8C5-ECC9F3942E4B}">
+                  <a14:imgProps xmlns:a14="http://schemas.microsoft.com/office/drawing/2010/main">
+                    <a14:imgLayer r:embed="rId3">
+                      <a14:imgEffect>
+                        <a14:sharpenSoften amount="61000"/>
+                      </a14:imgEffect>
+                    </a14:imgLayer>
+                  </a14:imgProps>
+                </a:ext>
+                <a:ext uri="{28A0092B-C50C-407E-A947-70E740481C1C}">
+                  <a14:useLocalDpi xmlns:a14="http://schemas.microsoft.com/office/drawing/2010/main" val="0"/>
+                </a:ext>
+              </a:extLst>
+            </a:blip>
+            <a:srcRect/>
+            <a:tile tx="0" ty="-762000" sx="92000" sy="89000" flip="xy" algn="ctr"/>
+          </a:blipFill>
+          <a:ln>
+            <a:noFill/>
+          </a:ln>
+        </p:spPr>
+        <p:style>
+          <a:lnRef idx="2">
+            <a:schemeClr val="accent1">
+              <a:shade val="50000"/>
+            </a:schemeClr>
+          </a:lnRef>
+          <a:fillRef idx="1">
+            <a:schemeClr val="accent1"/>
+          </a:fillRef>
+          <a:effectRef idx="0">
+            <a:schemeClr val="accent1"/>
+          </a:effectRef>
+          <a:fontRef idx="minor">
+            <a:schemeClr val="lt1"/>
+          </a:fontRef>
+        </p:style>
+      </p:sp>
+      <p:sp>
+        <p:nvSpPr>
+          <p:cNvPr id="15" name="Rectangle 14">
+            <a:extLst>
+              <a:ext uri="{FF2B5EF4-FFF2-40B4-BE49-F238E27FC236}">
+                <a16:creationId xmlns:a16="http://schemas.microsoft.com/office/drawing/2014/main" id="{58AEBD96-C315-4F53-9D9E-0E20E993EBFA}"/>
+              </a:ext>
+              <a:ext uri="{C183D7F6-B498-43B3-948B-1728B52AA6E4}">
+                <adec:decorative xmlns:adec="http://schemas.microsoft.com/office/drawing/2017/decorative" val="1"/>
+              </a:ext>
+            </a:extLst>
+          </p:cNvPr>
+          <p:cNvSpPr>
+            <a:spLocks noGrp="1" noRot="1" noChangeAspect="1" noMove="1" noResize="1" noEditPoints="1" noAdjustHandles="1" noChangeArrowheads="1" noChangeShapeType="1" noTextEdit="1"/>
+          </p:cNvSpPr>
+          <p:nvPr>
+            <p:extLst>
+              <p:ext uri="{386F3935-93C4-4BCD-93E2-E3B085C9AB24}">
+                <p16:designElem xmlns:p16="http://schemas.microsoft.com/office/powerpoint/2015/main" val="1"/>
+              </p:ext>
+            </p:extLst>
+          </p:nvPr>
+        </p:nvSpPr>
+        <p:spPr>
+          <a:xfrm>
+            <a:off x="920834" y="4299696"/>
+            <a:ext cx="10222992" cy="80683"/>
+          </a:xfrm>
+          <a:prstGeom prst="rect">
+            <a:avLst/>
+          </a:prstGeom>
+          <a:blipFill dpi="0" rotWithShape="1">
+            <a:blip r:embed="rId2">
+              <a:alphaModFix amt="85000"/>
+              <a:lum bright="70000" contrast="-70000"/>
+              <a:extLst>
+                <a:ext uri="{BEBA8EAE-BF5A-486C-A8C5-ECC9F3942E4B}">
+                  <a14:imgProps xmlns:a14="http://schemas.microsoft.com/office/drawing/2010/main">
+                    <a14:imgLayer r:embed="rId3">
+                      <a14:imgEffect>
+                        <a14:sharpenSoften amount="61000"/>
+                      </a14:imgEffect>
+                    </a14:imgLayer>
+                  </a14:imgProps>
+                </a:ext>
+                <a:ext uri="{28A0092B-C50C-407E-A947-70E740481C1C}">
+                  <a14:useLocalDpi xmlns:a14="http://schemas.microsoft.com/office/drawing/2010/main" val="0"/>
+                </a:ext>
+              </a:extLst>
+            </a:blip>
+            <a:srcRect/>
+            <a:tile tx="0" ty="-717550" sx="92000" sy="89000" flip="xy" algn="ctr"/>
+          </a:blipFill>
+          <a:ln>
+            <a:noFill/>
+          </a:ln>
+        </p:spPr>
+        <p:style>
+          <a:lnRef idx="2">
+            <a:schemeClr val="accent1">
+              <a:shade val="50000"/>
+            </a:schemeClr>
+          </a:lnRef>
+          <a:fillRef idx="1">
+            <a:schemeClr val="accent1"/>
+          </a:fillRef>
+          <a:effectRef idx="0">
+            <a:schemeClr val="accent1"/>
+          </a:effectRef>
+          <a:fontRef idx="minor">
+            <a:schemeClr val="lt1"/>
+          </a:fontRef>
+        </p:style>
+      </p:sp>
+      <p:sp>
+        <p:nvSpPr>
+          <p:cNvPr id="17" name="Rectangle 16">
+            <a:extLst>
+              <a:ext uri="{FF2B5EF4-FFF2-40B4-BE49-F238E27FC236}">
+                <a16:creationId xmlns:a16="http://schemas.microsoft.com/office/drawing/2014/main" id="{78916AAA-66F6-4DFA-88ED-7E27CF6B8DAD}"/>
+              </a:ext>
+              <a:ext uri="{C183D7F6-B498-43B3-948B-1728B52AA6E4}">
+                <adec:decorative xmlns:adec="http://schemas.microsoft.com/office/drawing/2017/decorative" val="1"/>
+              </a:ext>
+            </a:extLst>
+          </p:cNvPr>
+          <p:cNvSpPr>
+            <a:spLocks noGrp="1" noRot="1" noChangeAspect="1" noMove="1" noResize="1" noEditPoints="1" noAdjustHandles="1" noChangeArrowheads="1" noChangeShapeType="1" noTextEdit="1"/>
+          </p:cNvSpPr>
+          <p:nvPr>
+            <p:extLst>
+              <p:ext uri="{386F3935-93C4-4BCD-93E2-E3B085C9AB24}">
+                <p16:designElem xmlns:p16="http://schemas.microsoft.com/office/powerpoint/2015/main" val="1"/>
+              </p:ext>
+            </p:extLst>
+          </p:nvPr>
+        </p:nvSpPr>
+        <p:spPr>
+          <a:xfrm>
+            <a:off x="920834" y="1484779"/>
+            <a:ext cx="10222992" cy="2743200"/>
+          </a:xfrm>
+          <a:prstGeom prst="rect">
+            <a:avLst/>
+          </a:prstGeom>
+          <a:blipFill dpi="0" rotWithShape="1">
+            <a:blip r:embed="rId2">
+              <a:alphaModFix amt="85000"/>
+              <a:lum bright="70000" contrast="-70000"/>
+              <a:extLst>
+                <a:ext uri="{BEBA8EAE-BF5A-486C-A8C5-ECC9F3942E4B}">
+                  <a14:imgProps xmlns:a14="http://schemas.microsoft.com/office/drawing/2010/main">
+                    <a14:imgLayer r:embed="rId3">
+                      <a14:imgEffect>
+                        <a14:sharpenSoften amount="61000"/>
+                      </a14:imgEffect>
+                    </a14:imgLayer>
+                  </a14:imgProps>
+                </a:ext>
+                <a:ext uri="{28A0092B-C50C-407E-A947-70E740481C1C}">
+                  <a14:useLocalDpi xmlns:a14="http://schemas.microsoft.com/office/drawing/2010/main" val="0"/>
+                </a:ext>
+              </a:extLst>
+            </a:blip>
+            <a:srcRect/>
+            <a:tile tx="0" ty="-704850" sx="92000" sy="89000" flip="xy" algn="ctr"/>
+          </a:blipFill>
+          <a:ln>
+            <a:noFill/>
+          </a:ln>
+        </p:spPr>
+        <p:style>
+          <a:lnRef idx="2">
+            <a:schemeClr val="accent1">
+              <a:shade val="50000"/>
+            </a:schemeClr>
+          </a:lnRef>
+          <a:fillRef idx="1">
+            <a:schemeClr val="accent1"/>
+          </a:fillRef>
+          <a:effectRef idx="0">
+            <a:schemeClr val="accent1"/>
+          </a:effectRef>
+          <a:fontRef idx="minor">
+            <a:schemeClr val="lt1"/>
+          </a:fontRef>
+        </p:style>
+      </p:sp>
+      <p:grpSp>
+        <p:nvGrpSpPr>
+          <p:cNvPr id="19" name="Group 18">
+            <a:extLst>
+              <a:ext uri="{FF2B5EF4-FFF2-40B4-BE49-F238E27FC236}">
+                <a16:creationId xmlns:a16="http://schemas.microsoft.com/office/drawing/2014/main" id="{A137D43F-BAD6-47F1-AA65-AEEA38A2FF30}"/>
+              </a:ext>
+              <a:ext uri="{C183D7F6-B498-43B3-948B-1728B52AA6E4}">
+                <adec:decorative xmlns:adec="http://schemas.microsoft.com/office/drawing/2017/decorative" val="1"/>
+              </a:ext>
+            </a:extLst>
+          </p:cNvPr>
+          <p:cNvGrpSpPr>
+            <a:grpSpLocks noGrp="1" noUngrp="1" noRot="1" noChangeAspect="1" noMove="1" noResize="1"/>
+          </p:cNvGrpSpPr>
+          <p:nvPr>
+            <p:extLst>
+              <p:ext uri="{386F3935-93C4-4BCD-93E2-E3B085C9AB24}">
+                <p16:designElem xmlns:p16="http://schemas.microsoft.com/office/powerpoint/2015/main" val="1"/>
+              </p:ext>
+            </p:extLst>
+          </p:nvPr>
+        </p:nvGrpSpPr>
+        <p:grpSpPr>
+          <a:xfrm>
+            <a:off x="9649215" y="4068923"/>
+            <a:ext cx="1080904" cy="1080902"/>
+            <a:chOff x="9685338" y="4460675"/>
+            <a:chExt cx="1080904" cy="1080902"/>
+          </a:xfrm>
+        </p:grpSpPr>
+        <p:sp>
+          <p:nvSpPr>
+            <p:cNvPr id="20" name="Oval 19">
+              <a:extLst>
+                <a:ext uri="{FF2B5EF4-FFF2-40B4-BE49-F238E27FC236}">
+                  <a16:creationId xmlns:a16="http://schemas.microsoft.com/office/drawing/2014/main" id="{D512C9B2-6B22-4211-A940-FCD7C2CD0BEA}"/>
+                </a:ext>
+                <a:ext uri="{C183D7F6-B498-43B3-948B-1728B52AA6E4}">
+                  <adec:decorative xmlns:adec="http://schemas.microsoft.com/office/drawing/2017/decorative" val="1"/>
+                </a:ext>
+              </a:extLst>
+            </p:cNvPr>
+            <p:cNvSpPr/>
+            <p:nvPr>
+              <p:extLst>
+                <p:ext uri="{386F3935-93C4-4BCD-93E2-E3B085C9AB24}">
+                  <p16:designElem xmlns:p16="http://schemas.microsoft.com/office/powerpoint/2015/main" val="1"/>
+                </p:ext>
+              </p:extLst>
+            </p:nvPr>
+          </p:nvSpPr>
+          <p:spPr>
+            <a:xfrm>
+              <a:off x="9685338" y="4460675"/>
+              <a:ext cx="1080904" cy="1080902"/>
+            </a:xfrm>
+            <a:prstGeom prst="ellipse">
+              <a:avLst/>
+            </a:prstGeom>
+            <a:blipFill dpi="0" rotWithShape="1">
+              <a:blip r:embed="rId4">
+                <a:duotone>
+                  <a:schemeClr val="accent1">
+                    <a:shade val="45000"/>
+                    <a:satMod val="135000"/>
+                  </a:schemeClr>
+                  <a:prstClr val="white"/>
+                </a:duotone>
+                <a:extLst>
+                  <a:ext uri="{BEBA8EAE-BF5A-486C-A8C5-ECC9F3942E4B}">
+                    <a14:imgProps xmlns:a14="http://schemas.microsoft.com/office/drawing/2010/main">
+                      <a14:imgLayer r:embed="rId5">
+                        <a14:imgEffect>
+                          <a14:saturation sat="95000"/>
+                        </a14:imgEffect>
+                      </a14:imgLayer>
+                    </a14:imgProps>
+                  </a:ext>
+                </a:extLst>
+              </a:blip>
+              <a:srcRect/>
+              <a:tile tx="0" ty="0" sx="85000" sy="85000" flip="none" algn="tl"/>
+            </a:blipFill>
+            <a:ln w="25400" cap="flat" cmpd="sng" algn="ctr">
+              <a:noFill/>
+              <a:prstDash val="solid"/>
+            </a:ln>
+            <a:effectLst/>
+          </p:spPr>
+        </p:sp>
+        <p:sp>
+          <p:nvSpPr>
+            <p:cNvPr id="21" name="Oval 20">
+              <a:extLst>
+                <a:ext uri="{FF2B5EF4-FFF2-40B4-BE49-F238E27FC236}">
+                  <a16:creationId xmlns:a16="http://schemas.microsoft.com/office/drawing/2014/main" id="{85F7DB84-CDE7-46F8-90DD-9D048A7D52D1}"/>
+                </a:ext>
+                <a:ext uri="{C183D7F6-B498-43B3-948B-1728B52AA6E4}">
+                  <adec:decorative xmlns:adec="http://schemas.microsoft.com/office/drawing/2017/decorative" val="1"/>
+                </a:ext>
+              </a:extLst>
+            </p:cNvPr>
+            <p:cNvSpPr/>
+            <p:nvPr>
+              <p:extLst>
+                <p:ext uri="{386F3935-93C4-4BCD-93E2-E3B085C9AB24}">
+                  <p16:designElem xmlns:p16="http://schemas.microsoft.com/office/powerpoint/2015/main" val="1"/>
+                </p:ext>
+              </p:extLst>
+            </p:nvPr>
+          </p:nvSpPr>
+          <p:spPr>
+            <a:xfrm>
+              <a:off x="9793429" y="4568765"/>
+              <a:ext cx="864723" cy="864722"/>
+            </a:xfrm>
+            <a:prstGeom prst="ellipse">
+              <a:avLst/>
+            </a:prstGeom>
+            <a:noFill/>
+            <a:ln w="25400" cap="flat" cmpd="sng" algn="ctr">
+              <a:solidFill>
+                <a:sysClr val="window" lastClr="FFFFFF"/>
+              </a:solidFill>
+              <a:prstDash val="solid"/>
+            </a:ln>
+            <a:effectLst/>
+          </p:spPr>
+        </p:sp>
+      </p:grpSp>
+      <p:sp useBgFill="1">
+        <p:nvSpPr>
+          <p:cNvPr id="23" name="Rectangle 22">
+            <a:extLst>
+              <a:ext uri="{FF2B5EF4-FFF2-40B4-BE49-F238E27FC236}">
+                <a16:creationId xmlns:a16="http://schemas.microsoft.com/office/drawing/2014/main" id="{9A3CA49A-71DD-4E8D-8D00-0D000AB38C6C}"/>
+              </a:ext>
+              <a:ext uri="{C183D7F6-B498-43B3-948B-1728B52AA6E4}">
+                <adec:decorative xmlns:adec="http://schemas.microsoft.com/office/drawing/2017/decorative" val="1"/>
+              </a:ext>
+            </a:extLst>
+          </p:cNvPr>
+          <p:cNvSpPr>
+            <a:spLocks noGrp="1" noRot="1" noChangeAspect="1" noMove="1" noResize="1" noEditPoints="1" noAdjustHandles="1" noChangeArrowheads="1" noChangeShapeType="1" noTextEdit="1"/>
+          </p:cNvSpPr>
+          <p:nvPr>
+            <p:extLst>
+              <p:ext uri="{386F3935-93C4-4BCD-93E2-E3B085C9AB24}">
+                <p16:designElem xmlns:p16="http://schemas.microsoft.com/office/powerpoint/2015/main" val="1"/>
+              </p:ext>
+            </p:extLst>
+          </p:nvPr>
+        </p:nvSpPr>
+        <p:spPr>
+          <a:xfrm>
+            <a:off x="0" y="0"/>
+            <a:ext cx="12192000" cy="6858000"/>
+          </a:xfrm>
+          <a:prstGeom prst="rect">
+            <a:avLst/>
+          </a:prstGeom>
+          <a:ln>
+            <a:noFill/>
+          </a:ln>
+        </p:spPr>
+        <p:style>
+          <a:lnRef idx="2">
+            <a:schemeClr val="accent1">
+              <a:shade val="50000"/>
+            </a:schemeClr>
+          </a:lnRef>
+          <a:fillRef idx="1">
+            <a:schemeClr val="accent1"/>
+          </a:fillRef>
+          <a:effectRef idx="0">
+            <a:schemeClr val="accent1"/>
+          </a:effectRef>
+          <a:fontRef idx="minor">
+            <a:schemeClr val="lt1"/>
+          </a:fontRef>
+        </p:style>
+        <p:txBody>
+          <a:bodyPr rtlCol="0" anchor="ctr"/>
+          <a:lstStyle/>
+          <a:p>
+            <a:pPr algn="ctr"/>
+            <a:endParaRPr lang="en-US"/>
+          </a:p>
+        </p:txBody>
+      </p:sp>
+      <p:sp>
+        <p:nvSpPr>
+          <p:cNvPr id="25" name="Rectangle 24">
+            <a:extLst>
+              <a:ext uri="{FF2B5EF4-FFF2-40B4-BE49-F238E27FC236}">
+                <a16:creationId xmlns:a16="http://schemas.microsoft.com/office/drawing/2014/main" id="{36E8537E-57AF-43EA-8734-3C66AD72469A}"/>
+              </a:ext>
+              <a:ext uri="{C183D7F6-B498-43B3-948B-1728B52AA6E4}">
+                <adec:decorative xmlns:adec="http://schemas.microsoft.com/office/drawing/2017/decorative" val="1"/>
+              </a:ext>
+            </a:extLst>
+          </p:cNvPr>
+          <p:cNvSpPr>
+            <a:spLocks noGrp="1" noRot="1" noChangeAspect="1" noMove="1" noResize="1" noEditPoints="1" noAdjustHandles="1" noChangeArrowheads="1" noChangeShapeType="1" noTextEdit="1"/>
+          </p:cNvSpPr>
+          <p:nvPr>
+            <p:extLst>
+              <p:ext uri="{386F3935-93C4-4BCD-93E2-E3B085C9AB24}">
+                <p16:designElem xmlns:p16="http://schemas.microsoft.com/office/powerpoint/2015/main" val="1"/>
+              </p:ext>
+            </p:extLst>
+          </p:nvPr>
+        </p:nvSpPr>
+        <p:spPr>
+          <a:xfrm>
+            <a:off x="0" y="0"/>
+            <a:ext cx="1438656" cy="6858000"/>
+          </a:xfrm>
+          <a:prstGeom prst="rect">
+            <a:avLst/>
+          </a:prstGeom>
+          <a:solidFill>
+            <a:schemeClr val="accent1">
+              <a:lumMod val="75000"/>
+            </a:schemeClr>
+          </a:solidFill>
+          <a:ln>
+            <a:noFill/>
+          </a:ln>
+        </p:spPr>
+        <p:style>
+          <a:lnRef idx="2">
+            <a:schemeClr val="accent1">
+              <a:shade val="50000"/>
+            </a:schemeClr>
+          </a:lnRef>
+          <a:fillRef idx="1003">
+            <a:schemeClr val="lt1"/>
+          </a:fillRef>
+          <a:effectRef idx="0">
+            <a:schemeClr val="accent1"/>
+          </a:effectRef>
+          <a:fontRef idx="minor">
+            <a:schemeClr val="lt1"/>
+          </a:fontRef>
+        </p:style>
+        <p:txBody>
+          <a:bodyPr rtlCol="0" anchor="ctr"/>
+          <a:lstStyle/>
+          <a:p>
+            <a:pPr algn="ctr"/>
+            <a:endParaRPr lang="en-US">
+              <a:solidFill>
+                <a:schemeClr val="accent2"/>
+              </a:solidFill>
+            </a:endParaRPr>
+          </a:p>
+        </p:txBody>
+      </p:sp>
+      <p:sp>
+        <p:nvSpPr>
+          <p:cNvPr id="27" name="Rectangle 26">
+            <a:extLst>
+              <a:ext uri="{FF2B5EF4-FFF2-40B4-BE49-F238E27FC236}">
+                <a16:creationId xmlns:a16="http://schemas.microsoft.com/office/drawing/2014/main" id="{1DA8C18B-9C8E-47E6-BAEF-86331BC0A943}"/>
+              </a:ext>
+              <a:ext uri="{C183D7F6-B498-43B3-948B-1728B52AA6E4}">
+                <adec:decorative xmlns:adec="http://schemas.microsoft.com/office/drawing/2017/decorative" val="1"/>
+              </a:ext>
+            </a:extLst>
+          </p:cNvPr>
+          <p:cNvSpPr>
+            <a:spLocks noGrp="1" noRot="1" noChangeAspect="1" noMove="1" noResize="1" noEditPoints="1" noAdjustHandles="1" noChangeArrowheads="1" noChangeShapeType="1" noTextEdit="1"/>
+          </p:cNvSpPr>
+          <p:nvPr>
+            <p:extLst>
+              <p:ext uri="{386F3935-93C4-4BCD-93E2-E3B085C9AB24}">
+                <p16:designElem xmlns:p16="http://schemas.microsoft.com/office/powerpoint/2015/main" val="1"/>
+              </p:ext>
+            </p:extLst>
+          </p:nvPr>
+        </p:nvSpPr>
+        <p:spPr>
+          <a:xfrm>
+            <a:off x="1438656" y="0"/>
+            <a:ext cx="3215640" cy="6858000"/>
+          </a:xfrm>
+          <a:prstGeom prst="rect">
+            <a:avLst/>
+          </a:prstGeom>
+          <a:solidFill>
+            <a:schemeClr val="accent1"/>
+          </a:solidFill>
+          <a:ln>
+            <a:noFill/>
+          </a:ln>
+        </p:spPr>
+        <p:style>
+          <a:lnRef idx="2">
+            <a:schemeClr val="accent1">
+              <a:shade val="50000"/>
+            </a:schemeClr>
+          </a:lnRef>
+          <a:fillRef idx="1">
+            <a:schemeClr val="accent1"/>
+          </a:fillRef>
+          <a:effectRef idx="0">
+            <a:schemeClr val="accent1"/>
+          </a:effectRef>
+          <a:fontRef idx="minor">
+            <a:schemeClr val="lt1"/>
+          </a:fontRef>
+        </p:style>
+        <p:txBody>
+          <a:bodyPr rtlCol="0" anchor="ctr"/>
+          <a:lstStyle/>
+          <a:p>
+            <a:pPr algn="ctr"/>
+            <a:endParaRPr lang="en-US"/>
+          </a:p>
+        </p:txBody>
+      </p:sp>
+      <p:sp>
+        <p:nvSpPr>
+          <p:cNvPr id="7" name="Título 6">
+            <a:extLst>
+              <a:ext uri="{FF2B5EF4-FFF2-40B4-BE49-F238E27FC236}">
+                <a16:creationId xmlns:a16="http://schemas.microsoft.com/office/drawing/2014/main" id="{E6882AA1-F58B-413B-A215-48884E3AD91F}"/>
+              </a:ext>
+            </a:extLst>
+          </p:cNvPr>
+          <p:cNvSpPr>
+            <a:spLocks noGrp="1"/>
+          </p:cNvSpPr>
+          <p:nvPr>
+            <p:ph type="title"/>
+          </p:nvPr>
+        </p:nvSpPr>
+        <p:spPr>
+          <a:xfrm>
+            <a:off x="5297763" y="643467"/>
+            <a:ext cx="6271758" cy="5571066"/>
+          </a:xfrm>
+        </p:spPr>
+        <p:txBody>
+          <a:bodyPr vert="horz" lIns="91440" tIns="45720" rIns="91440" bIns="45720" rtlCol="0" anchor="ctr">
+            <a:normAutofit/>
+          </a:bodyPr>
+          <a:lstStyle/>
+          <a:p>
+            <a:endParaRPr lang="en-US" dirty="0">
+              <a:blipFill dpi="0" rotWithShape="1">
+                <a:blip r:embed="rId4"/>
+                <a:srcRect/>
+                <a:tile tx="6350" ty="-127000" sx="65000" sy="64000" flip="none" algn="tl"/>
+              </a:blipFill>
+            </a:endParaRPr>
+          </a:p>
+        </p:txBody>
+      </p:sp>
+      <p:sp>
+        <p:nvSpPr>
+          <p:cNvPr id="8" name="Espaço Reservado para Texto 7">
+            <a:extLst>
+              <a:ext uri="{FF2B5EF4-FFF2-40B4-BE49-F238E27FC236}">
+                <a16:creationId xmlns:a16="http://schemas.microsoft.com/office/drawing/2014/main" id="{8C8AAC73-EDA2-4D62-A4A7-677604F1EF3F}"/>
+              </a:ext>
+            </a:extLst>
+          </p:cNvPr>
+          <p:cNvSpPr>
+            <a:spLocks noGrp="1"/>
+          </p:cNvSpPr>
+          <p:nvPr>
+            <p:ph type="body" idx="1"/>
+          </p:nvPr>
+        </p:nvSpPr>
+        <p:spPr>
+          <a:xfrm>
+            <a:off x="1700981" y="643467"/>
+            <a:ext cx="2711993" cy="5571066"/>
+          </a:xfrm>
+        </p:spPr>
+        <p:txBody>
+          <a:bodyPr vert="horz" lIns="91440" tIns="45720" rIns="91440" bIns="45720" rtlCol="0" anchor="ctr">
+            <a:normAutofit/>
+          </a:bodyPr>
+          <a:lstStyle/>
+          <a:p>
+            <a:pPr algn="ctr"/>
+            <a:r>
+              <a:rPr lang="en-US" sz="2200" dirty="0" err="1">
+                <a:solidFill>
+                  <a:srgbClr val="FFFFFF"/>
+                </a:solidFill>
+              </a:rPr>
+              <a:t>Levando</a:t>
+            </a:r>
+            <a:r>
+              <a:rPr lang="en-US" sz="2200" dirty="0">
+                <a:solidFill>
+                  <a:srgbClr val="FFFFFF"/>
+                </a:solidFill>
+              </a:rPr>
+              <a:t> </a:t>
+            </a:r>
+            <a:r>
+              <a:rPr lang="en-US" sz="2200" dirty="0" err="1">
+                <a:solidFill>
+                  <a:srgbClr val="FFFFFF"/>
+                </a:solidFill>
+              </a:rPr>
+              <a:t>em</a:t>
+            </a:r>
+            <a:r>
+              <a:rPr lang="en-US" sz="2200" dirty="0">
+                <a:solidFill>
+                  <a:srgbClr val="FFFFFF"/>
+                </a:solidFill>
+              </a:rPr>
+              <a:t> </a:t>
+            </a:r>
+            <a:r>
+              <a:rPr lang="en-US" sz="2200" dirty="0" err="1">
+                <a:solidFill>
+                  <a:srgbClr val="FFFFFF"/>
+                </a:solidFill>
+              </a:rPr>
+              <a:t>consideração</a:t>
+            </a:r>
+            <a:r>
+              <a:rPr lang="en-US" sz="2200" dirty="0">
+                <a:solidFill>
+                  <a:srgbClr val="FFFFFF"/>
+                </a:solidFill>
+              </a:rPr>
+              <a:t>  o </a:t>
+            </a:r>
+            <a:r>
+              <a:rPr lang="en-US" sz="2200" dirty="0" err="1">
+                <a:solidFill>
+                  <a:srgbClr val="FFFFFF"/>
+                </a:solidFill>
+              </a:rPr>
+              <a:t>conceito</a:t>
+            </a:r>
+            <a:r>
+              <a:rPr lang="en-US" sz="2200" dirty="0">
+                <a:solidFill>
+                  <a:srgbClr val="FFFFFF"/>
+                </a:solidFill>
+              </a:rPr>
+              <a:t> de </a:t>
+            </a:r>
+            <a:r>
+              <a:rPr lang="pt-BR" sz="2200" noProof="1">
+                <a:solidFill>
+                  <a:srgbClr val="FFFFFF"/>
+                </a:solidFill>
+              </a:rPr>
+              <a:t>Complexidade</a:t>
+            </a:r>
+            <a:r>
+              <a:rPr lang="en-US" sz="2200" dirty="0">
+                <a:solidFill>
+                  <a:srgbClr val="FFFFFF"/>
+                </a:solidFill>
+              </a:rPr>
+              <a:t> </a:t>
+            </a:r>
+            <a:r>
+              <a:rPr lang="en-US" sz="2200" dirty="0" err="1">
+                <a:solidFill>
+                  <a:srgbClr val="FFFFFF"/>
+                </a:solidFill>
+              </a:rPr>
+              <a:t>Constante</a:t>
+            </a:r>
+            <a:r>
+              <a:rPr lang="en-US" sz="2200" dirty="0">
+                <a:solidFill>
+                  <a:srgbClr val="FFFFFF"/>
+                </a:solidFill>
+              </a:rPr>
+              <a:t>, </a:t>
+            </a:r>
+            <a:r>
+              <a:rPr lang="en-US" sz="2200" dirty="0" err="1">
+                <a:solidFill>
+                  <a:srgbClr val="FFFFFF"/>
+                </a:solidFill>
+              </a:rPr>
+              <a:t>onde</a:t>
+            </a:r>
+            <a:r>
+              <a:rPr lang="en-US" sz="2200" dirty="0">
+                <a:solidFill>
+                  <a:srgbClr val="FFFFFF"/>
+                </a:solidFill>
+              </a:rPr>
+              <a:t> </a:t>
+            </a:r>
+            <a:r>
+              <a:rPr lang="en-US" sz="2200" dirty="0" err="1">
+                <a:solidFill>
+                  <a:srgbClr val="FFFFFF"/>
+                </a:solidFill>
+              </a:rPr>
+              <a:t>quanto</a:t>
+            </a:r>
+            <a:r>
+              <a:rPr lang="en-US" sz="2200" dirty="0">
+                <a:solidFill>
+                  <a:srgbClr val="FFFFFF"/>
+                </a:solidFill>
+              </a:rPr>
+              <a:t> </a:t>
+            </a:r>
+            <a:r>
+              <a:rPr lang="en-US" sz="2200" dirty="0" err="1">
+                <a:solidFill>
+                  <a:srgbClr val="FFFFFF"/>
+                </a:solidFill>
+              </a:rPr>
+              <a:t>menor</a:t>
+            </a:r>
+            <a:r>
+              <a:rPr lang="en-US" sz="2200" dirty="0">
+                <a:solidFill>
+                  <a:srgbClr val="FFFFFF"/>
+                </a:solidFill>
+              </a:rPr>
+              <a:t> o </a:t>
+            </a:r>
+            <a:r>
+              <a:rPr lang="en-US" sz="2200" dirty="0" err="1">
+                <a:solidFill>
+                  <a:srgbClr val="FFFFFF"/>
+                </a:solidFill>
+              </a:rPr>
+              <a:t>numero</a:t>
+            </a:r>
+            <a:r>
+              <a:rPr lang="en-US" sz="2200" dirty="0">
+                <a:solidFill>
+                  <a:srgbClr val="FFFFFF"/>
+                </a:solidFill>
+              </a:rPr>
+              <a:t> de </a:t>
+            </a:r>
+            <a:r>
+              <a:rPr lang="en-US" sz="2200" dirty="0" err="1">
+                <a:solidFill>
+                  <a:srgbClr val="FFFFFF"/>
+                </a:solidFill>
+              </a:rPr>
+              <a:t>passos</a:t>
+            </a:r>
+            <a:r>
+              <a:rPr lang="en-US" sz="2200" dirty="0">
+                <a:solidFill>
+                  <a:srgbClr val="FFFFFF"/>
+                </a:solidFill>
+              </a:rPr>
+              <a:t>, </a:t>
+            </a:r>
+            <a:r>
+              <a:rPr lang="en-US" sz="2200" dirty="0" err="1">
+                <a:solidFill>
+                  <a:srgbClr val="FFFFFF"/>
+                </a:solidFill>
+              </a:rPr>
+              <a:t>menor</a:t>
+            </a:r>
+            <a:r>
+              <a:rPr lang="en-US" sz="2200" dirty="0">
+                <a:solidFill>
+                  <a:srgbClr val="FFFFFF"/>
+                </a:solidFill>
+              </a:rPr>
+              <a:t> a </a:t>
+            </a:r>
+            <a:r>
+              <a:rPr lang="en-US" sz="2200" dirty="0" err="1">
+                <a:solidFill>
+                  <a:srgbClr val="FFFFFF"/>
+                </a:solidFill>
+              </a:rPr>
+              <a:t>complexidade</a:t>
+            </a:r>
+            <a:r>
+              <a:rPr lang="en-US" sz="2200" dirty="0">
+                <a:solidFill>
+                  <a:srgbClr val="FFFFFF"/>
+                </a:solidFill>
+              </a:rPr>
+              <a:t>, </a:t>
+            </a:r>
+            <a:r>
+              <a:rPr lang="en-US" sz="2200" dirty="0" err="1">
+                <a:solidFill>
+                  <a:srgbClr val="FFFFFF"/>
+                </a:solidFill>
+              </a:rPr>
+              <a:t>chegamos</a:t>
+            </a:r>
+            <a:r>
+              <a:rPr lang="en-US" sz="2200" dirty="0">
+                <a:solidFill>
+                  <a:srgbClr val="FFFFFF"/>
+                </a:solidFill>
+              </a:rPr>
+              <a:t> a </a:t>
+            </a:r>
+            <a:r>
+              <a:rPr lang="en-US" sz="2200" dirty="0" err="1">
+                <a:solidFill>
+                  <a:srgbClr val="FFFFFF"/>
+                </a:solidFill>
+              </a:rPr>
+              <a:t>conclusão</a:t>
+            </a:r>
+            <a:r>
+              <a:rPr lang="en-US" sz="2200" dirty="0">
+                <a:solidFill>
+                  <a:srgbClr val="FFFFFF"/>
+                </a:solidFill>
+              </a:rPr>
+              <a:t> de que a </a:t>
+            </a:r>
+            <a:r>
+              <a:rPr lang="en-US" sz="2200" dirty="0" err="1">
+                <a:solidFill>
+                  <a:srgbClr val="FFFFFF"/>
+                </a:solidFill>
+              </a:rPr>
+              <a:t>melhor</a:t>
+            </a:r>
+            <a:r>
+              <a:rPr lang="en-US" sz="2200" dirty="0">
+                <a:solidFill>
+                  <a:srgbClr val="FFFFFF"/>
+                </a:solidFill>
+              </a:rPr>
+              <a:t> </a:t>
+            </a:r>
+            <a:r>
+              <a:rPr lang="en-US" sz="2200" dirty="0" err="1">
+                <a:solidFill>
+                  <a:srgbClr val="FFFFFF"/>
+                </a:solidFill>
+              </a:rPr>
+              <a:t>escolha</a:t>
+            </a:r>
+            <a:r>
+              <a:rPr lang="en-US" sz="2200" dirty="0">
+                <a:solidFill>
+                  <a:srgbClr val="FFFFFF"/>
+                </a:solidFill>
+              </a:rPr>
+              <a:t> </a:t>
+            </a:r>
+            <a:r>
+              <a:rPr lang="en-US" sz="2200" dirty="0" err="1">
+                <a:solidFill>
+                  <a:srgbClr val="FFFFFF"/>
+                </a:solidFill>
+              </a:rPr>
+              <a:t>seria</a:t>
+            </a:r>
+            <a:r>
+              <a:rPr lang="en-US" sz="2200" dirty="0">
+                <a:solidFill>
+                  <a:srgbClr val="FFFFFF"/>
+                </a:solidFill>
+              </a:rPr>
+              <a:t> o </a:t>
+            </a:r>
+            <a:r>
+              <a:rPr lang="en-US" sz="2200" dirty="0" err="1">
+                <a:solidFill>
+                  <a:srgbClr val="FFFFFF"/>
+                </a:solidFill>
+              </a:rPr>
+              <a:t>algoritimo</a:t>
+            </a:r>
+            <a:r>
+              <a:rPr lang="en-US" sz="2200" dirty="0">
+                <a:solidFill>
+                  <a:srgbClr val="FFFFFF"/>
+                </a:solidFill>
+              </a:rPr>
+              <a:t> de </a:t>
+            </a:r>
+            <a:r>
+              <a:rPr lang="en-US" sz="2200" dirty="0" err="1">
+                <a:solidFill>
+                  <a:srgbClr val="FFFFFF"/>
+                </a:solidFill>
+              </a:rPr>
+              <a:t>Busca-Binária</a:t>
+            </a:r>
+            <a:r>
+              <a:rPr lang="en-US" sz="2200" dirty="0">
+                <a:solidFill>
+                  <a:srgbClr val="FFFFFF"/>
+                </a:solidFill>
+              </a:rPr>
+              <a:t>, por </a:t>
+            </a:r>
+            <a:r>
+              <a:rPr lang="en-US" sz="2200" dirty="0" err="1">
+                <a:solidFill>
+                  <a:srgbClr val="FFFFFF"/>
+                </a:solidFill>
+              </a:rPr>
+              <a:t>ter</a:t>
+            </a:r>
+            <a:r>
+              <a:rPr lang="en-US" sz="2200" dirty="0">
+                <a:solidFill>
+                  <a:srgbClr val="FFFFFF"/>
+                </a:solidFill>
+              </a:rPr>
+              <a:t> </a:t>
+            </a:r>
+            <a:r>
+              <a:rPr lang="en-US" sz="2200" dirty="0" err="1">
+                <a:solidFill>
+                  <a:srgbClr val="FFFFFF"/>
+                </a:solidFill>
+              </a:rPr>
+              <a:t>apenas</a:t>
+            </a:r>
+            <a:r>
+              <a:rPr lang="en-US" sz="2200" dirty="0">
+                <a:solidFill>
+                  <a:srgbClr val="FFFFFF"/>
+                </a:solidFill>
+              </a:rPr>
+              <a:t> 5 </a:t>
+            </a:r>
+            <a:r>
+              <a:rPr lang="en-US" sz="2200" dirty="0" err="1">
+                <a:solidFill>
+                  <a:srgbClr val="FFFFFF"/>
+                </a:solidFill>
+              </a:rPr>
+              <a:t>instruções</a:t>
+            </a:r>
+            <a:r>
+              <a:rPr lang="en-US" sz="2200" dirty="0">
+                <a:solidFill>
+                  <a:srgbClr val="FFFFFF"/>
+                </a:solidFill>
+              </a:rPr>
+              <a:t> </a:t>
+            </a:r>
+            <a:r>
+              <a:rPr lang="en-US" sz="2200" dirty="0" err="1">
+                <a:solidFill>
+                  <a:srgbClr val="FFFFFF"/>
+                </a:solidFill>
+              </a:rPr>
+              <a:t>até</a:t>
+            </a:r>
+            <a:r>
+              <a:rPr lang="en-US" sz="2200" dirty="0">
+                <a:solidFill>
+                  <a:srgbClr val="FFFFFF"/>
+                </a:solidFill>
+              </a:rPr>
+              <a:t> a </a:t>
+            </a:r>
+            <a:r>
+              <a:rPr lang="en-US" sz="2200" dirty="0" err="1">
+                <a:solidFill>
+                  <a:srgbClr val="FFFFFF"/>
+                </a:solidFill>
+              </a:rPr>
+              <a:t>folha</a:t>
+            </a:r>
+            <a:r>
+              <a:rPr lang="en-US" sz="2200" dirty="0">
+                <a:solidFill>
+                  <a:srgbClr val="FFFFFF"/>
+                </a:solidFill>
+              </a:rPr>
+              <a:t> “67”.</a:t>
+            </a:r>
+          </a:p>
+        </p:txBody>
+      </p:sp>
+    </p:spTree>
+    <p:extLst>
+      <p:ext uri="{BB962C8B-B14F-4D97-AF65-F5344CB8AC3E}">
+        <p14:creationId xmlns:p14="http://schemas.microsoft.com/office/powerpoint/2010/main" val="2216063126"/>
       </p:ext>
     </p:extLst>
   </p:cSld>

--- a/docs/Exercicio - Algoritmos.pptx
+++ b/docs/Exercicio - Algoritmos.pptx
@@ -110,6 +110,11 @@
       </a:defRPr>
     </a:lvl9pPr>
   </p:defaultTextStyle>
+  <p:extLst>
+    <p:ext uri="{EFAFB233-063F-42B5-8137-9DF3F51BA10A}">
+      <p15:sldGuideLst xmlns:p15="http://schemas.microsoft.com/office/powerpoint/2012/main"/>
+    </p:ext>
+  </p:extLst>
 </p:presentation>
 </file>
 
@@ -4013,13 +4018,27 @@
         </p:nvSpPr>
         <p:spPr/>
         <p:txBody>
-          <a:bodyPr/>
+          <a:bodyPr>
+            <a:normAutofit fontScale="92500" lnSpcReduction="20000"/>
+          </a:bodyPr>
           <a:lstStyle/>
           <a:p>
             <a:r>
-              <a:rPr lang="pt-BR" dirty="0"/>
+              <a:rPr lang="pt-BR" u="sng" dirty="0"/>
               <a:t>Comparação de Complexidade </a:t>
             </a:r>
+          </a:p>
+          <a:p>
+            <a:endParaRPr lang="pt-BR" u="sng" dirty="0"/>
+          </a:p>
+          <a:p>
+            <a:r>
+              <a:rPr lang="pt-BR" u="sng" dirty="0"/>
+              <a:t>Aluno: Elbert Ribeiro</a:t>
+            </a:r>
+          </a:p>
+          <a:p>
+            <a:endParaRPr lang="pt-BR" u="sng" dirty="0"/>
           </a:p>
         </p:txBody>
       </p:sp>
@@ -10060,16 +10079,485 @@
         </p:spPr>
         <p:txBody>
           <a:bodyPr vert="horz" lIns="91440" tIns="45720" rIns="91440" bIns="45720" rtlCol="0" anchor="ctr">
-            <a:normAutofit/>
+            <a:noAutofit/>
           </a:bodyPr>
           <a:lstStyle/>
           <a:p>
-            <a:endParaRPr lang="en-US" dirty="0">
-              <a:blipFill dpi="0" rotWithShape="1">
-                <a:blip r:embed="rId4"/>
-                <a:srcRect/>
-                <a:tile tx="6350" ty="-127000" sx="65000" sy="64000" flip="none" algn="tl"/>
-              </a:blipFill>
+            <a:r>
+              <a:rPr lang="en-US" sz="4000" dirty="0" err="1">
+                <a:solidFill>
+                  <a:schemeClr val="tx1"/>
+                </a:solidFill>
+              </a:rPr>
+              <a:t>Levando</a:t>
+            </a:r>
+            <a:r>
+              <a:rPr lang="en-US" sz="4000" dirty="0">
+                <a:solidFill>
+                  <a:schemeClr val="tx1"/>
+                </a:solidFill>
+              </a:rPr>
+              <a:t> </a:t>
+            </a:r>
+            <a:r>
+              <a:rPr lang="en-US" sz="4000" dirty="0" err="1">
+                <a:solidFill>
+                  <a:schemeClr val="tx1"/>
+                </a:solidFill>
+              </a:rPr>
+              <a:t>em</a:t>
+            </a:r>
+            <a:r>
+              <a:rPr lang="en-US" sz="4000" dirty="0">
+                <a:solidFill>
+                  <a:schemeClr val="tx1"/>
+                </a:solidFill>
+              </a:rPr>
+              <a:t> </a:t>
+            </a:r>
+            <a:r>
+              <a:rPr lang="en-US" sz="4000" dirty="0" err="1">
+                <a:solidFill>
+                  <a:schemeClr val="tx1"/>
+                </a:solidFill>
+              </a:rPr>
+              <a:t>consideração</a:t>
+            </a:r>
+            <a:r>
+              <a:rPr lang="en-US" sz="4000" dirty="0">
+                <a:solidFill>
+                  <a:schemeClr val="tx1"/>
+                </a:solidFill>
+              </a:rPr>
+              <a:t>  o </a:t>
+            </a:r>
+            <a:r>
+              <a:rPr lang="en-US" sz="4000" dirty="0" err="1">
+                <a:solidFill>
+                  <a:schemeClr val="tx1"/>
+                </a:solidFill>
+              </a:rPr>
+              <a:t>conceito</a:t>
+            </a:r>
+            <a:r>
+              <a:rPr lang="en-US" sz="4000" dirty="0">
+                <a:solidFill>
+                  <a:schemeClr val="tx1"/>
+                </a:solidFill>
+              </a:rPr>
+              <a:t> de </a:t>
+            </a:r>
+            <a:r>
+              <a:rPr lang="pt-BR" sz="4000" noProof="1">
+                <a:solidFill>
+                  <a:schemeClr val="tx1"/>
+                </a:solidFill>
+              </a:rPr>
+              <a:t>Complexidade</a:t>
+            </a:r>
+            <a:r>
+              <a:rPr lang="en-US" sz="4000" dirty="0">
+                <a:solidFill>
+                  <a:schemeClr val="tx1"/>
+                </a:solidFill>
+              </a:rPr>
+              <a:t> </a:t>
+            </a:r>
+            <a:r>
+              <a:rPr lang="en-US" sz="4000" dirty="0" err="1">
+                <a:solidFill>
+                  <a:schemeClr val="tx1"/>
+                </a:solidFill>
+              </a:rPr>
+              <a:t>Constante</a:t>
+            </a:r>
+            <a:r>
+              <a:rPr lang="en-US" sz="4000" dirty="0">
+                <a:solidFill>
+                  <a:schemeClr val="tx1"/>
+                </a:solidFill>
+              </a:rPr>
+              <a:t>, </a:t>
+            </a:r>
+            <a:r>
+              <a:rPr lang="en-US" sz="4000" dirty="0" err="1">
+                <a:solidFill>
+                  <a:schemeClr val="tx1"/>
+                </a:solidFill>
+              </a:rPr>
+              <a:t>onde</a:t>
+            </a:r>
+            <a:r>
+              <a:rPr lang="en-US" sz="4000" dirty="0">
+                <a:solidFill>
+                  <a:schemeClr val="tx1"/>
+                </a:solidFill>
+              </a:rPr>
+              <a:t> </a:t>
+            </a:r>
+            <a:r>
+              <a:rPr lang="en-US" sz="4000" dirty="0" err="1">
+                <a:solidFill>
+                  <a:schemeClr val="tx1"/>
+                </a:solidFill>
+              </a:rPr>
+              <a:t>quanto</a:t>
+            </a:r>
+            <a:r>
+              <a:rPr lang="en-US" sz="4000" dirty="0">
+                <a:solidFill>
+                  <a:schemeClr val="tx1"/>
+                </a:solidFill>
+              </a:rPr>
+              <a:t> </a:t>
+            </a:r>
+            <a:r>
+              <a:rPr lang="en-US" sz="4000" dirty="0" err="1">
+                <a:solidFill>
+                  <a:schemeClr val="tx1"/>
+                </a:solidFill>
+              </a:rPr>
+              <a:t>menor</a:t>
+            </a:r>
+            <a:r>
+              <a:rPr lang="en-US" sz="4000" dirty="0">
+                <a:solidFill>
+                  <a:schemeClr val="tx1"/>
+                </a:solidFill>
+              </a:rPr>
+              <a:t> o </a:t>
+            </a:r>
+            <a:r>
+              <a:rPr lang="en-US" sz="4000" dirty="0" err="1">
+                <a:solidFill>
+                  <a:schemeClr val="tx1"/>
+                </a:solidFill>
+              </a:rPr>
+              <a:t>numero</a:t>
+            </a:r>
+            <a:r>
+              <a:rPr lang="en-US" sz="4000" dirty="0">
+                <a:solidFill>
+                  <a:schemeClr val="tx1"/>
+                </a:solidFill>
+              </a:rPr>
+              <a:t> de </a:t>
+            </a:r>
+            <a:r>
+              <a:rPr lang="en-US" sz="4000" dirty="0" err="1">
+                <a:solidFill>
+                  <a:schemeClr val="tx1"/>
+                </a:solidFill>
+              </a:rPr>
+              <a:t>passos</a:t>
+            </a:r>
+            <a:r>
+              <a:rPr lang="en-US" sz="4000" dirty="0">
+                <a:solidFill>
+                  <a:schemeClr val="tx1"/>
+                </a:solidFill>
+              </a:rPr>
+              <a:t>, </a:t>
+            </a:r>
+            <a:r>
+              <a:rPr lang="en-US" sz="4000" dirty="0" err="1">
+                <a:solidFill>
+                  <a:schemeClr val="tx1"/>
+                </a:solidFill>
+              </a:rPr>
+              <a:t>menor</a:t>
+            </a:r>
+            <a:r>
+              <a:rPr lang="en-US" sz="4000" dirty="0">
+                <a:solidFill>
+                  <a:schemeClr val="tx1"/>
+                </a:solidFill>
+              </a:rPr>
+              <a:t> a </a:t>
+            </a:r>
+            <a:r>
+              <a:rPr lang="en-US" sz="4000" dirty="0" err="1">
+                <a:solidFill>
+                  <a:schemeClr val="tx1"/>
+                </a:solidFill>
+              </a:rPr>
+              <a:t>complexidade</a:t>
+            </a:r>
+            <a:r>
+              <a:rPr lang="en-US" sz="4000" dirty="0">
+                <a:solidFill>
+                  <a:schemeClr val="tx1"/>
+                </a:solidFill>
+              </a:rPr>
+              <a:t>. </a:t>
+            </a:r>
+            <a:r>
+              <a:rPr lang="en-US" sz="4000" dirty="0" err="1">
+                <a:solidFill>
+                  <a:schemeClr val="tx1"/>
+                </a:solidFill>
+              </a:rPr>
+              <a:t>chegamos</a:t>
+            </a:r>
+            <a:r>
+              <a:rPr lang="en-US" sz="4000" dirty="0">
+                <a:solidFill>
+                  <a:schemeClr val="tx1"/>
+                </a:solidFill>
+              </a:rPr>
+              <a:t> a </a:t>
+            </a:r>
+            <a:r>
+              <a:rPr lang="en-US" sz="4000" dirty="0" err="1">
+                <a:solidFill>
+                  <a:schemeClr val="tx1"/>
+                </a:solidFill>
+              </a:rPr>
+              <a:t>conclusão</a:t>
+            </a:r>
+            <a:r>
+              <a:rPr lang="en-US" sz="4000" dirty="0">
+                <a:solidFill>
+                  <a:schemeClr val="tx1"/>
+                </a:solidFill>
+              </a:rPr>
+              <a:t> de que a </a:t>
+            </a:r>
+            <a:r>
+              <a:rPr lang="en-US" sz="4000" dirty="0" err="1">
+                <a:solidFill>
+                  <a:schemeClr val="tx1"/>
+                </a:solidFill>
+              </a:rPr>
+              <a:t>melhor</a:t>
+            </a:r>
+            <a:r>
+              <a:rPr lang="en-US" sz="4000" dirty="0">
+                <a:solidFill>
+                  <a:schemeClr val="tx1"/>
+                </a:solidFill>
+              </a:rPr>
+              <a:t> </a:t>
+            </a:r>
+            <a:r>
+              <a:rPr lang="en-US" sz="4000" dirty="0" err="1">
+                <a:solidFill>
+                  <a:schemeClr val="tx1"/>
+                </a:solidFill>
+              </a:rPr>
+              <a:t>escolha</a:t>
+            </a:r>
+            <a:r>
+              <a:rPr lang="en-US" sz="4000" dirty="0">
+                <a:solidFill>
+                  <a:schemeClr val="tx1"/>
+                </a:solidFill>
+              </a:rPr>
+              <a:t> </a:t>
+            </a:r>
+            <a:r>
+              <a:rPr lang="en-US" sz="4000" dirty="0" err="1">
+                <a:solidFill>
+                  <a:schemeClr val="tx1"/>
+                </a:solidFill>
+              </a:rPr>
+              <a:t>seria</a:t>
+            </a:r>
+            <a:r>
+              <a:rPr lang="en-US" sz="4000" dirty="0">
+                <a:solidFill>
+                  <a:schemeClr val="tx1"/>
+                </a:solidFill>
+              </a:rPr>
+              <a:t> o </a:t>
+            </a:r>
+            <a:r>
+              <a:rPr lang="en-US" sz="4000" dirty="0" err="1">
+                <a:solidFill>
+                  <a:schemeClr val="tx1"/>
+                </a:solidFill>
+              </a:rPr>
+              <a:t>algoritimo</a:t>
+            </a:r>
+            <a:r>
+              <a:rPr lang="en-US" sz="4000" dirty="0">
+                <a:solidFill>
+                  <a:schemeClr val="tx1"/>
+                </a:solidFill>
+              </a:rPr>
+              <a:t> de </a:t>
+            </a:r>
+            <a:r>
+              <a:rPr lang="en-US" sz="4000" dirty="0" err="1">
+                <a:solidFill>
+                  <a:schemeClr val="tx1"/>
+                </a:solidFill>
+              </a:rPr>
+              <a:t>Busca-Binária</a:t>
+            </a:r>
+            <a:r>
+              <a:rPr lang="en-US" sz="4000" dirty="0">
+                <a:solidFill>
+                  <a:schemeClr val="tx1"/>
+                </a:solidFill>
+              </a:rPr>
+              <a:t>, por </a:t>
+            </a:r>
+            <a:r>
+              <a:rPr lang="en-US" sz="4000" dirty="0" err="1">
+                <a:solidFill>
+                  <a:schemeClr val="tx1"/>
+                </a:solidFill>
+              </a:rPr>
+              <a:t>ter</a:t>
+            </a:r>
+            <a:r>
+              <a:rPr lang="en-US" sz="4000" dirty="0">
+                <a:solidFill>
+                  <a:schemeClr val="tx1"/>
+                </a:solidFill>
+              </a:rPr>
+              <a:t> </a:t>
+            </a:r>
+            <a:r>
+              <a:rPr lang="en-US" sz="4000" dirty="0" err="1">
+                <a:solidFill>
+                  <a:schemeClr val="tx1"/>
+                </a:solidFill>
+              </a:rPr>
+              <a:t>apenas</a:t>
+            </a:r>
+            <a:r>
+              <a:rPr lang="en-US" sz="4000" dirty="0">
+                <a:solidFill>
+                  <a:schemeClr val="tx1"/>
+                </a:solidFill>
+              </a:rPr>
+              <a:t> 5 </a:t>
+            </a:r>
+            <a:r>
+              <a:rPr lang="en-US" sz="4000" dirty="0" err="1">
+                <a:solidFill>
+                  <a:schemeClr val="tx1"/>
+                </a:solidFill>
+              </a:rPr>
+              <a:t>instruções</a:t>
+            </a:r>
+            <a:r>
+              <a:rPr lang="en-US" sz="4000" dirty="0">
+                <a:solidFill>
+                  <a:schemeClr val="tx1"/>
+                </a:solidFill>
+              </a:rPr>
+              <a:t> </a:t>
+            </a:r>
+            <a:r>
+              <a:rPr lang="en-US" sz="4000" dirty="0" err="1">
+                <a:solidFill>
+                  <a:schemeClr val="tx1"/>
+                </a:solidFill>
+              </a:rPr>
+              <a:t>até</a:t>
+            </a:r>
+            <a:r>
+              <a:rPr lang="en-US" sz="4000" dirty="0">
+                <a:solidFill>
+                  <a:schemeClr val="tx1"/>
+                </a:solidFill>
+              </a:rPr>
+              <a:t> a </a:t>
+            </a:r>
+            <a:r>
+              <a:rPr lang="en-US" sz="4000" dirty="0" err="1">
+                <a:solidFill>
+                  <a:schemeClr val="tx1"/>
+                </a:solidFill>
+              </a:rPr>
+              <a:t>folha</a:t>
+            </a:r>
+            <a:r>
+              <a:rPr lang="en-US" sz="4000" dirty="0">
+                <a:solidFill>
+                  <a:schemeClr val="tx1"/>
+                </a:solidFill>
+              </a:rPr>
+              <a:t> “67” </a:t>
+            </a:r>
+            <a:r>
+              <a:rPr lang="en-US" sz="4000" dirty="0" err="1">
+                <a:solidFill>
+                  <a:schemeClr val="tx1"/>
+                </a:solidFill>
+              </a:rPr>
+              <a:t>sendo</a:t>
+            </a:r>
+            <a:r>
+              <a:rPr lang="en-US" sz="4000" dirty="0">
+                <a:solidFill>
+                  <a:schemeClr val="tx1"/>
+                </a:solidFill>
+              </a:rPr>
+              <a:t> </a:t>
+            </a:r>
+            <a:r>
+              <a:rPr lang="en-US" sz="4000" dirty="0" err="1">
+                <a:solidFill>
+                  <a:schemeClr val="tx1"/>
+                </a:solidFill>
+              </a:rPr>
+              <a:t>assim</a:t>
+            </a:r>
+            <a:r>
+              <a:rPr lang="en-US" sz="4000" dirty="0">
+                <a:solidFill>
+                  <a:schemeClr val="tx1"/>
+                </a:solidFill>
+              </a:rPr>
+              <a:t>, de </a:t>
+            </a:r>
+            <a:r>
+              <a:rPr lang="en-US" sz="4000" dirty="0" err="1">
+                <a:solidFill>
+                  <a:schemeClr val="tx1"/>
+                </a:solidFill>
+              </a:rPr>
+              <a:t>menor</a:t>
+            </a:r>
+            <a:r>
+              <a:rPr lang="en-US" sz="4000" dirty="0">
+                <a:solidFill>
+                  <a:schemeClr val="tx1"/>
+                </a:solidFill>
+              </a:rPr>
+              <a:t> </a:t>
+            </a:r>
+            <a:r>
+              <a:rPr lang="en-US" sz="4000" dirty="0" err="1">
+                <a:solidFill>
+                  <a:schemeClr val="tx1"/>
+                </a:solidFill>
+              </a:rPr>
+              <a:t>complexidade</a:t>
+            </a:r>
+            <a:r>
+              <a:rPr lang="en-US" sz="4000" dirty="0">
+                <a:solidFill>
+                  <a:schemeClr val="tx1"/>
+                </a:solidFill>
+              </a:rPr>
+              <a:t>.</a:t>
+            </a:r>
+            <a:br>
+              <a:rPr lang="en-US" sz="4000" dirty="0">
+                <a:solidFill>
+                  <a:schemeClr val="tx1"/>
+                </a:solidFill>
+              </a:rPr>
+            </a:br>
+            <a:endParaRPr lang="en-US" sz="4000" dirty="0">
+              <a:solidFill>
+                <a:schemeClr val="tx1"/>
+              </a:solidFill>
             </a:endParaRPr>
           </a:p>
         </p:txBody>
@@ -10104,405 +10592,14 @@
           <a:p>
             <a:pPr algn="ctr"/>
             <a:r>
-              <a:rPr lang="en-US" sz="2200" dirty="0" err="1">
-                <a:solidFill>
-                  <a:srgbClr val="FFFFFF"/>
-                </a:solidFill>
-              </a:rPr>
-              <a:t>Levando</a:t>
-            </a:r>
-            <a:r>
-              <a:rPr lang="en-US" sz="2200" dirty="0">
-                <a:solidFill>
-                  <a:srgbClr val="FFFFFF"/>
-                </a:solidFill>
-              </a:rPr>
-              <a:t> </a:t>
-            </a:r>
-            <a:r>
-              <a:rPr lang="en-US" sz="2200" dirty="0" err="1">
-                <a:solidFill>
-                  <a:srgbClr val="FFFFFF"/>
-                </a:solidFill>
-              </a:rPr>
-              <a:t>em</a:t>
-            </a:r>
-            <a:r>
-              <a:rPr lang="en-US" sz="2200" dirty="0">
-                <a:solidFill>
-                  <a:srgbClr val="FFFFFF"/>
-                </a:solidFill>
-              </a:rPr>
-              <a:t> </a:t>
-            </a:r>
-            <a:r>
-              <a:rPr lang="en-US" sz="2200" dirty="0" err="1">
-                <a:solidFill>
-                  <a:srgbClr val="FFFFFF"/>
-                </a:solidFill>
-              </a:rPr>
-              <a:t>consideração</a:t>
-            </a:r>
-            <a:r>
-              <a:rPr lang="en-US" sz="2200" dirty="0">
-                <a:solidFill>
-                  <a:srgbClr val="FFFFFF"/>
-                </a:solidFill>
-              </a:rPr>
-              <a:t>  o </a:t>
-            </a:r>
-            <a:r>
-              <a:rPr lang="en-US" sz="2200" dirty="0" err="1">
-                <a:solidFill>
-                  <a:srgbClr val="FFFFFF"/>
-                </a:solidFill>
-              </a:rPr>
-              <a:t>conceito</a:t>
-            </a:r>
-            <a:r>
-              <a:rPr lang="en-US" sz="2200" dirty="0">
-                <a:solidFill>
-                  <a:srgbClr val="FFFFFF"/>
-                </a:solidFill>
-              </a:rPr>
-              <a:t> de </a:t>
-            </a:r>
-            <a:r>
-              <a:rPr lang="pt-BR" sz="2200" noProof="1">
-                <a:solidFill>
-                  <a:srgbClr val="FFFFFF"/>
-                </a:solidFill>
-              </a:rPr>
-              <a:t>Complexidade</a:t>
-            </a:r>
-            <a:r>
-              <a:rPr lang="en-US" sz="2200" dirty="0">
-                <a:solidFill>
-                  <a:srgbClr val="FFFFFF"/>
-                </a:solidFill>
-              </a:rPr>
-              <a:t> </a:t>
-            </a:r>
-            <a:r>
-              <a:rPr lang="en-US" sz="2200" dirty="0" err="1">
-                <a:solidFill>
-                  <a:srgbClr val="FFFFFF"/>
-                </a:solidFill>
-              </a:rPr>
-              <a:t>Constante</a:t>
-            </a:r>
-            <a:r>
-              <a:rPr lang="en-US" sz="2200" dirty="0">
-                <a:solidFill>
-                  <a:srgbClr val="FFFFFF"/>
-                </a:solidFill>
-              </a:rPr>
-              <a:t>, </a:t>
-            </a:r>
-            <a:r>
-              <a:rPr lang="en-US" sz="2200" dirty="0" err="1">
-                <a:solidFill>
-                  <a:srgbClr val="FFFFFF"/>
-                </a:solidFill>
-              </a:rPr>
-              <a:t>onde</a:t>
-            </a:r>
-            <a:r>
-              <a:rPr lang="en-US" sz="2200" dirty="0">
-                <a:solidFill>
-                  <a:srgbClr val="FFFFFF"/>
-                </a:solidFill>
-              </a:rPr>
-              <a:t> </a:t>
-            </a:r>
-            <a:r>
-              <a:rPr lang="en-US" sz="2200" dirty="0" err="1">
-                <a:solidFill>
-                  <a:srgbClr val="FFFFFF"/>
-                </a:solidFill>
-              </a:rPr>
-              <a:t>quanto</a:t>
-            </a:r>
-            <a:r>
-              <a:rPr lang="en-US" sz="2200" dirty="0">
-                <a:solidFill>
-                  <a:srgbClr val="FFFFFF"/>
-                </a:solidFill>
-              </a:rPr>
-              <a:t> </a:t>
-            </a:r>
-            <a:r>
-              <a:rPr lang="en-US" sz="2200" dirty="0" err="1">
-                <a:solidFill>
-                  <a:srgbClr val="FFFFFF"/>
-                </a:solidFill>
-              </a:rPr>
-              <a:t>menor</a:t>
-            </a:r>
-            <a:r>
-              <a:rPr lang="en-US" sz="2200" dirty="0">
-                <a:solidFill>
-                  <a:srgbClr val="FFFFFF"/>
-                </a:solidFill>
-              </a:rPr>
-              <a:t> o </a:t>
-            </a:r>
-            <a:r>
-              <a:rPr lang="en-US" sz="2200" dirty="0" err="1">
-                <a:solidFill>
-                  <a:srgbClr val="FFFFFF"/>
-                </a:solidFill>
-              </a:rPr>
-              <a:t>numero</a:t>
-            </a:r>
-            <a:r>
-              <a:rPr lang="en-US" sz="2200" dirty="0">
-                <a:solidFill>
-                  <a:srgbClr val="FFFFFF"/>
-                </a:solidFill>
-              </a:rPr>
-              <a:t> de </a:t>
-            </a:r>
-            <a:r>
-              <a:rPr lang="en-US" sz="2200" dirty="0" err="1">
-                <a:solidFill>
-                  <a:srgbClr val="FFFFFF"/>
-                </a:solidFill>
-              </a:rPr>
-              <a:t>passos</a:t>
-            </a:r>
-            <a:r>
-              <a:rPr lang="en-US" sz="2200" dirty="0">
-                <a:solidFill>
-                  <a:srgbClr val="FFFFFF"/>
-                </a:solidFill>
-              </a:rPr>
-              <a:t>, </a:t>
-            </a:r>
-            <a:r>
-              <a:rPr lang="en-US" sz="2200" dirty="0" err="1">
-                <a:solidFill>
-                  <a:srgbClr val="FFFFFF"/>
-                </a:solidFill>
-              </a:rPr>
-              <a:t>menor</a:t>
-            </a:r>
-            <a:r>
-              <a:rPr lang="en-US" sz="2200" dirty="0">
-                <a:solidFill>
-                  <a:srgbClr val="FFFFFF"/>
-                </a:solidFill>
-              </a:rPr>
-              <a:t> a </a:t>
-            </a:r>
-            <a:r>
-              <a:rPr lang="en-US" sz="2200" dirty="0" err="1">
-                <a:solidFill>
-                  <a:srgbClr val="FFFFFF"/>
-                </a:solidFill>
-              </a:rPr>
-              <a:t>complexidade</a:t>
-            </a:r>
-            <a:r>
-              <a:rPr lang="en-US" sz="2200" dirty="0">
-                <a:solidFill>
-                  <a:srgbClr val="FFFFFF"/>
-                </a:solidFill>
-              </a:rPr>
-              <a:t>, </a:t>
-            </a:r>
-            <a:r>
-              <a:rPr lang="en-US" sz="2200" dirty="0" err="1">
-                <a:solidFill>
-                  <a:srgbClr val="FFFFFF"/>
-                </a:solidFill>
-              </a:rPr>
-              <a:t>chegamos</a:t>
-            </a:r>
-            <a:r>
-              <a:rPr lang="en-US" sz="2200" dirty="0">
-                <a:solidFill>
-                  <a:srgbClr val="FFFFFF"/>
-                </a:solidFill>
-              </a:rPr>
-              <a:t> a </a:t>
-            </a:r>
-            <a:r>
-              <a:rPr lang="en-US" sz="2200" dirty="0" err="1">
-                <a:solidFill>
-                  <a:srgbClr val="FFFFFF"/>
-                </a:solidFill>
-              </a:rPr>
-              <a:t>conclusão</a:t>
-            </a:r>
-            <a:r>
-              <a:rPr lang="en-US" sz="2200" dirty="0">
-                <a:solidFill>
-                  <a:srgbClr val="FFFFFF"/>
-                </a:solidFill>
-              </a:rPr>
-              <a:t> de que a </a:t>
-            </a:r>
-            <a:r>
-              <a:rPr lang="en-US" sz="2200" dirty="0" err="1">
-                <a:solidFill>
-                  <a:srgbClr val="FFFFFF"/>
-                </a:solidFill>
-              </a:rPr>
-              <a:t>melhor</a:t>
-            </a:r>
-            <a:r>
-              <a:rPr lang="en-US" sz="2200" dirty="0">
-                <a:solidFill>
-                  <a:srgbClr val="FFFFFF"/>
-                </a:solidFill>
-              </a:rPr>
-              <a:t> </a:t>
-            </a:r>
-            <a:r>
-              <a:rPr lang="en-US" sz="2200" dirty="0" err="1">
-                <a:solidFill>
-                  <a:srgbClr val="FFFFFF"/>
-                </a:solidFill>
-              </a:rPr>
-              <a:t>escolha</a:t>
-            </a:r>
-            <a:r>
-              <a:rPr lang="en-US" sz="2200" dirty="0">
-                <a:solidFill>
-                  <a:srgbClr val="FFFFFF"/>
-                </a:solidFill>
-              </a:rPr>
-              <a:t> </a:t>
-            </a:r>
-            <a:r>
-              <a:rPr lang="en-US" sz="2200" dirty="0" err="1">
-                <a:solidFill>
-                  <a:srgbClr val="FFFFFF"/>
-                </a:solidFill>
-              </a:rPr>
-              <a:t>seria</a:t>
-            </a:r>
-            <a:r>
-              <a:rPr lang="en-US" sz="2200" dirty="0">
-                <a:solidFill>
-                  <a:srgbClr val="FFFFFF"/>
-                </a:solidFill>
-              </a:rPr>
-              <a:t> o </a:t>
-            </a:r>
-            <a:r>
-              <a:rPr lang="en-US" sz="2200" dirty="0" err="1">
-                <a:solidFill>
-                  <a:srgbClr val="FFFFFF"/>
-                </a:solidFill>
-              </a:rPr>
-              <a:t>algoritimo</a:t>
-            </a:r>
-            <a:r>
-              <a:rPr lang="en-US" sz="2200" dirty="0">
-                <a:solidFill>
-                  <a:srgbClr val="FFFFFF"/>
-                </a:solidFill>
-              </a:rPr>
-              <a:t> de </a:t>
-            </a:r>
-            <a:r>
-              <a:rPr lang="en-US" sz="2200" dirty="0" err="1">
-                <a:solidFill>
-                  <a:srgbClr val="FFFFFF"/>
-                </a:solidFill>
-              </a:rPr>
-              <a:t>Busca-Binária</a:t>
-            </a:r>
-            <a:r>
-              <a:rPr lang="en-US" sz="2200" dirty="0">
-                <a:solidFill>
-                  <a:srgbClr val="FFFFFF"/>
-                </a:solidFill>
-              </a:rPr>
-              <a:t>, por </a:t>
-            </a:r>
-            <a:r>
-              <a:rPr lang="en-US" sz="2200" dirty="0" err="1">
-                <a:solidFill>
-                  <a:srgbClr val="FFFFFF"/>
-                </a:solidFill>
-              </a:rPr>
-              <a:t>ter</a:t>
-            </a:r>
-            <a:r>
-              <a:rPr lang="en-US" sz="2200" dirty="0">
-                <a:solidFill>
-                  <a:srgbClr val="FFFFFF"/>
-                </a:solidFill>
-              </a:rPr>
-              <a:t> </a:t>
-            </a:r>
-            <a:r>
-              <a:rPr lang="en-US" sz="2200" dirty="0" err="1">
-                <a:solidFill>
-                  <a:srgbClr val="FFFFFF"/>
-                </a:solidFill>
-              </a:rPr>
-              <a:t>apenas</a:t>
-            </a:r>
-            <a:r>
-              <a:rPr lang="en-US" sz="2200" dirty="0">
-                <a:solidFill>
-                  <a:srgbClr val="FFFFFF"/>
-                </a:solidFill>
-              </a:rPr>
-              <a:t> 5 </a:t>
-            </a:r>
-            <a:r>
-              <a:rPr lang="en-US" sz="2200" dirty="0" err="1">
-                <a:solidFill>
-                  <a:srgbClr val="FFFFFF"/>
-                </a:solidFill>
-              </a:rPr>
-              <a:t>instruções</a:t>
-            </a:r>
-            <a:r>
-              <a:rPr lang="en-US" sz="2200" dirty="0">
-                <a:solidFill>
-                  <a:srgbClr val="FFFFFF"/>
-                </a:solidFill>
-              </a:rPr>
-              <a:t> </a:t>
-            </a:r>
-            <a:r>
-              <a:rPr lang="en-US" sz="2200" dirty="0" err="1">
-                <a:solidFill>
-                  <a:srgbClr val="FFFFFF"/>
-                </a:solidFill>
-              </a:rPr>
-              <a:t>até</a:t>
-            </a:r>
-            <a:r>
-              <a:rPr lang="en-US" sz="2200" dirty="0">
-                <a:solidFill>
-                  <a:srgbClr val="FFFFFF"/>
-                </a:solidFill>
-              </a:rPr>
-              <a:t> a </a:t>
-            </a:r>
-            <a:r>
-              <a:rPr lang="en-US" sz="2200" dirty="0" err="1">
-                <a:solidFill>
-                  <a:srgbClr val="FFFFFF"/>
-                </a:solidFill>
-              </a:rPr>
-              <a:t>folha</a:t>
-            </a:r>
-            <a:r>
-              <a:rPr lang="en-US" sz="2200" dirty="0">
-                <a:solidFill>
-                  <a:srgbClr val="FFFFFF"/>
-                </a:solidFill>
-              </a:rPr>
-              <a:t> “67”.</a:t>
-            </a:r>
+              <a:rPr lang="pt-BR" sz="2400" dirty="0"/>
+              <a:t>A analise a execução das instruções de cada algoritmo e diga (de acordo com o número de instruções executadas) qual deles seria o de menor complexidade e por quê?</a:t>
+            </a:r>
+            <a:endParaRPr lang="en-US" sz="2200" dirty="0">
+              <a:solidFill>
+                <a:srgbClr val="FFFFFF"/>
+              </a:solidFill>
+            </a:endParaRPr>
           </a:p>
         </p:txBody>
       </p:sp>
